--- a/images/slider/17ways website.pptx
+++ b/images/slider/17ways website.pptx
@@ -8,7 +8,6 @@
     <p:sldId id="256" r:id="rId2"/>
     <p:sldId id="257" r:id="rId3"/>
     <p:sldId id="258" r:id="rId4"/>
-    <p:sldId id="259" r:id="rId5"/>
   </p:sldIdLst>
   <p:sldSz cx="9144000" cy="6858000" type="screen4x3"/>
   <p:notesSz cx="6858000" cy="9144000"/>
@@ -107,22 +106,6 @@
       </a:defRPr>
     </a:lvl9pPr>
   </p:defaultTextStyle>
-  <p:extLst>
-    <p:ext uri="{EFAFB233-063F-42B5-8137-9DF3F51BA10A}">
-      <p15:sldGuideLst xmlns:p15="http://schemas.microsoft.com/office/powerpoint/2012/main">
-        <p15:guide id="1" orient="horz" pos="2160">
-          <p15:clr>
-            <a:srgbClr val="A4A3A4"/>
-          </p15:clr>
-        </p15:guide>
-        <p15:guide id="2" pos="2880">
-          <p15:clr>
-            <a:srgbClr val="A4A3A4"/>
-          </p15:clr>
-        </p15:guide>
-      </p15:sldGuideLst>
-    </p:ext>
-  </p:extLst>
 </p:presentation>
 </file>
 
@@ -307,7 +290,7 @@
           <a:p>
             <a:fld id="{FCE55AB8-8DAF-DC4E-9F67-6AE616D067FE}" type="datetimeFigureOut">
               <a:rPr lang="en-US" smtClean="0"/>
-              <a:t>2/9/2015</a:t>
+              <a:t>10/02/15</a:t>
             </a:fld>
             <a:endParaRPr lang="en-US"/>
           </a:p>
@@ -477,7 +460,7 @@
           <a:p>
             <a:fld id="{FCE55AB8-8DAF-DC4E-9F67-6AE616D067FE}" type="datetimeFigureOut">
               <a:rPr lang="en-US" smtClean="0"/>
-              <a:t>2/9/2015</a:t>
+              <a:t>10/02/15</a:t>
             </a:fld>
             <a:endParaRPr lang="en-US"/>
           </a:p>
@@ -657,7 +640,7 @@
           <a:p>
             <a:fld id="{FCE55AB8-8DAF-DC4E-9F67-6AE616D067FE}" type="datetimeFigureOut">
               <a:rPr lang="en-US" smtClean="0"/>
-              <a:t>2/9/2015</a:t>
+              <a:t>10/02/15</a:t>
             </a:fld>
             <a:endParaRPr lang="en-US"/>
           </a:p>
@@ -827,7 +810,7 @@
           <a:p>
             <a:fld id="{FCE55AB8-8DAF-DC4E-9F67-6AE616D067FE}" type="datetimeFigureOut">
               <a:rPr lang="en-US" smtClean="0"/>
-              <a:t>2/9/2015</a:t>
+              <a:t>10/02/15</a:t>
             </a:fld>
             <a:endParaRPr lang="en-US"/>
           </a:p>
@@ -1073,7 +1056,7 @@
           <a:p>
             <a:fld id="{FCE55AB8-8DAF-DC4E-9F67-6AE616D067FE}" type="datetimeFigureOut">
               <a:rPr lang="en-US" smtClean="0"/>
-              <a:t>2/9/2015</a:t>
+              <a:t>10/02/15</a:t>
             </a:fld>
             <a:endParaRPr lang="en-US"/>
           </a:p>
@@ -1361,7 +1344,7 @@
           <a:p>
             <a:fld id="{FCE55AB8-8DAF-DC4E-9F67-6AE616D067FE}" type="datetimeFigureOut">
               <a:rPr lang="en-US" smtClean="0"/>
-              <a:t>2/9/2015</a:t>
+              <a:t>10/02/15</a:t>
             </a:fld>
             <a:endParaRPr lang="en-US"/>
           </a:p>
@@ -1783,7 +1766,7 @@
           <a:p>
             <a:fld id="{FCE55AB8-8DAF-DC4E-9F67-6AE616D067FE}" type="datetimeFigureOut">
               <a:rPr lang="en-US" smtClean="0"/>
-              <a:t>2/9/2015</a:t>
+              <a:t>10/02/15</a:t>
             </a:fld>
             <a:endParaRPr lang="en-US"/>
           </a:p>
@@ -1901,7 +1884,7 @@
           <a:p>
             <a:fld id="{FCE55AB8-8DAF-DC4E-9F67-6AE616D067FE}" type="datetimeFigureOut">
               <a:rPr lang="en-US" smtClean="0"/>
-              <a:t>2/9/2015</a:t>
+              <a:t>10/02/15</a:t>
             </a:fld>
             <a:endParaRPr lang="en-US"/>
           </a:p>
@@ -1996,7 +1979,7 @@
           <a:p>
             <a:fld id="{FCE55AB8-8DAF-DC4E-9F67-6AE616D067FE}" type="datetimeFigureOut">
               <a:rPr lang="en-US" smtClean="0"/>
-              <a:t>2/9/2015</a:t>
+              <a:t>10/02/15</a:t>
             </a:fld>
             <a:endParaRPr lang="en-US"/>
           </a:p>
@@ -2273,7 +2256,7 @@
           <a:p>
             <a:fld id="{FCE55AB8-8DAF-DC4E-9F67-6AE616D067FE}" type="datetimeFigureOut">
               <a:rPr lang="en-US" smtClean="0"/>
-              <a:t>2/9/2015</a:t>
+              <a:t>10/02/15</a:t>
             </a:fld>
             <a:endParaRPr lang="en-US"/>
           </a:p>
@@ -2526,7 +2509,7 @@
           <a:p>
             <a:fld id="{FCE55AB8-8DAF-DC4E-9F67-6AE616D067FE}" type="datetimeFigureOut">
               <a:rPr lang="en-US" smtClean="0"/>
-              <a:t>2/9/2015</a:t>
+              <a:t>10/02/15</a:t>
             </a:fld>
             <a:endParaRPr lang="en-US"/>
           </a:p>
@@ -2739,7 +2722,7 @@
           <a:p>
             <a:fld id="{FCE55AB8-8DAF-DC4E-9F67-6AE616D067FE}" type="datetimeFigureOut">
               <a:rPr lang="en-US" smtClean="0"/>
-              <a:t>2/9/2015</a:t>
+              <a:t>10/02/15</a:t>
             </a:fld>
             <a:endParaRPr lang="en-US"/>
           </a:p>
@@ -3183,14 +3166,14 @@
             <a:pPr algn="ctr"/>
             <a:r>
               <a:rPr lang="en-US" sz="4400" dirty="0" smtClean="0">
-                <a:latin typeface="Arial"/>
-                <a:cs typeface="Arial"/>
+                <a:latin typeface="Muli"/>
+                <a:cs typeface="Muli"/>
               </a:rPr>
               <a:t>Welcome to something new</a:t>
             </a:r>
             <a:endParaRPr lang="en-US" sz="4400" dirty="0">
-              <a:latin typeface="Arial"/>
-              <a:cs typeface="Arial"/>
+              <a:latin typeface="Muli"/>
+              <a:cs typeface="Muli"/>
             </a:endParaRPr>
           </a:p>
         </p:txBody>
@@ -3225,16 +3208,46 @@
           <a:chExt cx="0" cy="0"/>
         </a:xfrm>
       </p:grpSpPr>
-      <p:sp>
-        <p:nvSpPr>
-          <p:cNvPr id="4" name="TextBox 3"/>
+      <p:pic>
+        <p:nvPicPr>
+          <p:cNvPr id="2" name="Picture 1" descr="17ways_big_logo.png"/>
+          <p:cNvPicPr>
+            <a:picLocks noChangeAspect="1"/>
+          </p:cNvPicPr>
+          <p:nvPr/>
+        </p:nvPicPr>
+        <p:blipFill>
+          <a:blip r:embed="rId2">
+            <a:extLst>
+              <a:ext uri="{28A0092B-C50C-407E-A947-70E740481C1C}">
+                <a14:useLocalDpi xmlns:a14="http://schemas.microsoft.com/office/drawing/2010/main" val="0"/>
+              </a:ext>
+            </a:extLst>
+          </a:blip>
+          <a:stretch>
+            <a:fillRect/>
+          </a:stretch>
+        </p:blipFill>
+        <p:spPr>
+          <a:xfrm>
+            <a:off x="4318673" y="1971785"/>
+            <a:ext cx="4368668" cy="3276501"/>
+          </a:xfrm>
+          <a:prstGeom prst="rect">
+            <a:avLst/>
+          </a:prstGeom>
+        </p:spPr>
+      </p:pic>
+      <p:sp>
+        <p:nvSpPr>
+          <p:cNvPr id="3" name="TextBox 2"/>
           <p:cNvSpPr txBox="1"/>
           <p:nvPr/>
         </p:nvSpPr>
         <p:spPr>
           <a:xfrm>
-            <a:off x="2069263" y="1740808"/>
-            <a:ext cx="2825939" cy="369332"/>
+            <a:off x="271144" y="3124893"/>
+            <a:ext cx="4302989" cy="923330"/>
           </a:xfrm>
           <a:prstGeom prst="rect">
             <a:avLst/>
@@ -3248,96 +3261,15 @@
           <a:lstStyle/>
           <a:p>
             <a:r>
-              <a:rPr lang="en-US" dirty="0" smtClean="0"/>
-              <a:t>Welcome to something new</a:t>
-            </a:r>
-            <a:endParaRPr lang="en-US" dirty="0"/>
-          </a:p>
-        </p:txBody>
-      </p:sp>
-      <p:sp>
-        <p:nvSpPr>
-          <p:cNvPr id="5" name="Rectangle 4"/>
-          <p:cNvSpPr/>
-          <p:nvPr/>
-        </p:nvSpPr>
-        <p:spPr>
-          <a:xfrm>
-            <a:off x="0" y="0"/>
-            <a:ext cx="9144000" cy="6858000"/>
-          </a:xfrm>
-          <a:prstGeom prst="rect">
-            <a:avLst/>
-          </a:prstGeom>
-          <a:solidFill>
-            <a:schemeClr val="bg1"/>
-          </a:solidFill>
-        </p:spPr>
-        <p:style>
-          <a:lnRef idx="1">
-            <a:schemeClr val="accent1"/>
-          </a:lnRef>
-          <a:fillRef idx="3">
-            <a:schemeClr val="accent1"/>
-          </a:fillRef>
-          <a:effectRef idx="2">
-            <a:schemeClr val="accent1"/>
-          </a:effectRef>
-          <a:fontRef idx="minor">
-            <a:schemeClr val="lt1"/>
-          </a:fontRef>
-        </p:style>
-        <p:txBody>
-          <a:bodyPr rtlCol="0" anchor="ctr"/>
-          <a:lstStyle/>
-          <a:p>
-            <a:pPr algn="ctr"/>
-            <a:r>
-              <a:rPr lang="en-US" sz="4400" dirty="0" smtClean="0">
-                <a:solidFill>
-                  <a:schemeClr val="tx1"/>
-                </a:solidFill>
-                <a:latin typeface="Arial"/>
-                <a:cs typeface="Arial"/>
+              <a:rPr lang="en-US" sz="5400" dirty="0" smtClean="0">
+                <a:latin typeface="Muli"/>
+                <a:cs typeface="Muli"/>
               </a:rPr>
-              <a:t>			Welcome </a:t>
-            </a:r>
-            <a:r>
-              <a:rPr lang="en-US" sz="4400" dirty="0" smtClean="0">
-                <a:solidFill>
-                  <a:schemeClr val="tx1"/>
-                </a:solidFill>
-                <a:latin typeface="Arial"/>
-                <a:cs typeface="Arial"/>
-              </a:rPr>
-              <a:t>to       </a:t>
-            </a:r>
-            <a:r>
-              <a:rPr lang="en-US" sz="6600" dirty="0" smtClean="0">
-                <a:solidFill>
-                  <a:srgbClr val="0000FF"/>
-                </a:solidFill>
-                <a:latin typeface="Goudy Old Style"/>
-                <a:cs typeface="Goudy Old Style"/>
-              </a:rPr>
-              <a:t>17</a:t>
-            </a:r>
-            <a:r>
-              <a:rPr lang="en-US" sz="6600" dirty="0" smtClean="0">
-                <a:solidFill>
-                  <a:srgbClr val="000000"/>
-                </a:solidFill>
-                <a:latin typeface="Goudy Old Style"/>
-                <a:cs typeface="Goudy Old Style"/>
-              </a:rPr>
-              <a:t>Ways</a:t>
-            </a:r>
-            <a:endParaRPr lang="en-US" sz="4400" dirty="0">
-              <a:solidFill>
-                <a:srgbClr val="000000"/>
-              </a:solidFill>
-              <a:latin typeface="Goudy Old Style"/>
-              <a:cs typeface="Goudy Old Style"/>
+              <a:t>Welcome to</a:t>
+            </a:r>
+            <a:endParaRPr lang="en-US" sz="5400" dirty="0">
+              <a:latin typeface="Muli"/>
+              <a:cs typeface="Muli"/>
             </a:endParaRPr>
           </a:p>
         </p:txBody>
@@ -3352,13 +3284,6 @@
   <p:clrMapOvr>
     <a:masterClrMapping/>
   </p:clrMapOvr>
-  <p:timing>
-    <p:tnLst>
-      <p:par>
-        <p:cTn id="1" dur="indefinite" restart="never" nodeType="tmRoot"/>
-      </p:par>
-    </p:tnLst>
-  </p:timing>
 </p:sld>
 </file>
 
@@ -3379,6 +3304,36 @@
           <a:chExt cx="0" cy="0"/>
         </a:xfrm>
       </p:grpSpPr>
+      <p:pic>
+        <p:nvPicPr>
+          <p:cNvPr id="2" name="Picture 1" descr="17ways_big_logo.png"/>
+          <p:cNvPicPr>
+            <a:picLocks noChangeAspect="1"/>
+          </p:cNvPicPr>
+          <p:nvPr/>
+        </p:nvPicPr>
+        <p:blipFill>
+          <a:blip r:embed="rId2">
+            <a:extLst>
+              <a:ext uri="{28A0092B-C50C-407E-A947-70E740481C1C}">
+                <a14:useLocalDpi xmlns:a14="http://schemas.microsoft.com/office/drawing/2010/main" val="0"/>
+              </a:ext>
+            </a:extLst>
+          </a:blip>
+          <a:stretch>
+            <a:fillRect/>
+          </a:stretch>
+        </p:blipFill>
+        <p:spPr>
+          <a:xfrm>
+            <a:off x="0" y="-11552"/>
+            <a:ext cx="9159402" cy="6869552"/>
+          </a:xfrm>
+          <a:prstGeom prst="rect">
+            <a:avLst/>
+          </a:prstGeom>
+        </p:spPr>
+      </p:pic>
       <p:sp>
         <p:nvSpPr>
           <p:cNvPr id="3" name="TextBox 2"/>
@@ -3387,8 +3342,8 @@
         </p:nvSpPr>
         <p:spPr>
           <a:xfrm>
-            <a:off x="3059061" y="191559"/>
-            <a:ext cx="3225838" cy="923330"/>
+            <a:off x="4552380" y="4757030"/>
+            <a:ext cx="2454518" cy="646331"/>
           </a:xfrm>
           <a:prstGeom prst="rect">
             <a:avLst/>
@@ -3401,16 +3356,26 @@
           </a:bodyPr>
           <a:lstStyle/>
           <a:p>
-            <a:r>
-              <a:rPr lang="en-US" sz="5400" dirty="0" smtClean="0">
-                <a:latin typeface="Arial"/>
-                <a:cs typeface="Arial"/>
+            <a:pPr marL="68400" indent="-284400" algn="ctr">
+              <a:buFont typeface="Arial"/>
+              <a:buChar char="•"/>
+            </a:pPr>
+            <a:r>
+              <a:rPr lang="en-US" sz="3600" i="1" dirty="0" smtClean="0">
+                <a:solidFill>
+                  <a:srgbClr val="FF6600"/>
+                </a:solidFill>
+                <a:latin typeface="Muli"/>
+                <a:cs typeface="Muli"/>
               </a:rPr>
-              <a:t>Solutions.</a:t>
-            </a:r>
-            <a:endParaRPr lang="en-US" sz="5400" dirty="0">
-              <a:latin typeface="Arial"/>
-              <a:cs typeface="Arial"/>
+              <a:t>Solutions</a:t>
+            </a:r>
+            <a:endParaRPr lang="en-US" sz="3600" i="1" dirty="0">
+              <a:solidFill>
+                <a:srgbClr val="FF6600"/>
+              </a:solidFill>
+              <a:latin typeface="Muli"/>
+              <a:cs typeface="Muli"/>
             </a:endParaRPr>
           </a:p>
         </p:txBody>
@@ -3423,8 +3388,8 @@
         </p:nvSpPr>
         <p:spPr>
           <a:xfrm>
-            <a:off x="6141552" y="191559"/>
-            <a:ext cx="2686177" cy="923330"/>
+            <a:off x="2702293" y="4728493"/>
+            <a:ext cx="2018161" cy="646331"/>
           </a:xfrm>
           <a:prstGeom prst="rect">
             <a:avLst/>
@@ -3437,30 +3402,37 @@
           </a:bodyPr>
           <a:lstStyle/>
           <a:p>
-            <a:r>
-              <a:rPr lang="en-US" sz="5400" dirty="0" smtClean="0">
-                <a:latin typeface="Arial"/>
-                <a:cs typeface="Arial"/>
+            <a:pPr algn="ctr"/>
+            <a:r>
+              <a:rPr lang="en-US" sz="3600" i="1" dirty="0" smtClean="0">
+                <a:solidFill>
+                  <a:srgbClr val="FF6600"/>
+                </a:solidFill>
+                <a:latin typeface="Muli Italic"/>
+                <a:cs typeface="Muli Italic"/>
               </a:rPr>
-              <a:t>Results.</a:t>
-            </a:r>
-            <a:endParaRPr lang="en-US" sz="5400" dirty="0">
-              <a:latin typeface="Arial"/>
-              <a:cs typeface="Arial"/>
+              <a:t>Options</a:t>
+            </a:r>
+            <a:endParaRPr lang="en-US" sz="3600" i="1" dirty="0">
+              <a:solidFill>
+                <a:srgbClr val="FF6600"/>
+              </a:solidFill>
+              <a:latin typeface="Muli Italic"/>
+              <a:cs typeface="Muli Italic"/>
             </a:endParaRPr>
           </a:p>
         </p:txBody>
       </p:sp>
       <p:sp>
         <p:nvSpPr>
-          <p:cNvPr id="5" name="TextBox 4"/>
+          <p:cNvPr id="6" name="TextBox 5"/>
           <p:cNvSpPr txBox="1"/>
           <p:nvPr/>
         </p:nvSpPr>
         <p:spPr>
           <a:xfrm>
-            <a:off x="199784" y="191057"/>
-            <a:ext cx="2992864" cy="923330"/>
+            <a:off x="7035440" y="4757030"/>
+            <a:ext cx="2018501" cy="646331"/>
           </a:xfrm>
           <a:prstGeom prst="rect">
             <a:avLst/>
@@ -3473,378 +3445,34 @@
           </a:bodyPr>
           <a:lstStyle/>
           <a:p>
-            <a:r>
-              <a:rPr lang="en-US" sz="5400" b="1" dirty="0" smtClean="0">
-                <a:latin typeface="Arial"/>
-                <a:cs typeface="Arial"/>
+            <a:pPr marL="68400" indent="-284400" algn="ctr">
+              <a:buFont typeface="Arial"/>
+              <a:buChar char="•"/>
+            </a:pPr>
+            <a:r>
+              <a:rPr lang="en-US" sz="3600" i="1" dirty="0" smtClean="0">
+                <a:solidFill>
+                  <a:srgbClr val="FF6600"/>
+                </a:solidFill>
+                <a:latin typeface="Muli"/>
+                <a:cs typeface="Muli"/>
               </a:rPr>
-              <a:t>Options.</a:t>
-            </a:r>
-            <a:endParaRPr lang="en-US" sz="5400" b="1" dirty="0">
-              <a:latin typeface="Arial"/>
-              <a:cs typeface="Arial"/>
+              <a:t>Results</a:t>
+            </a:r>
+            <a:endParaRPr lang="en-US" sz="3600" i="1" dirty="0">
+              <a:solidFill>
+                <a:srgbClr val="FF6600"/>
+              </a:solidFill>
+              <a:latin typeface="Muli"/>
+              <a:cs typeface="Muli"/>
             </a:endParaRPr>
-          </a:p>
-        </p:txBody>
-      </p:sp>
-      <p:pic>
-        <p:nvPicPr>
-          <p:cNvPr id="6" name="Picture 5"/>
-          <p:cNvPicPr>
-            <a:picLocks noChangeAspect="1"/>
-          </p:cNvPicPr>
-          <p:nvPr/>
-        </p:nvPicPr>
-        <p:blipFill>
-          <a:blip r:embed="rId2"/>
-          <a:stretch>
-            <a:fillRect/>
-          </a:stretch>
-        </p:blipFill>
-        <p:spPr>
-          <a:xfrm>
-            <a:off x="6141552" y="3296931"/>
-            <a:ext cx="2645436" cy="1754268"/>
-          </a:xfrm>
-          <a:prstGeom prst="rect">
-            <a:avLst/>
-          </a:prstGeom>
-          <a:effectLst>
-            <a:glow rad="139700">
-              <a:schemeClr val="accent3">
-                <a:satMod val="175000"/>
-                <a:alpha val="40000"/>
-              </a:schemeClr>
-            </a:glow>
-          </a:effectLst>
-        </p:spPr>
-      </p:pic>
-      <p:sp>
-        <p:nvSpPr>
-          <p:cNvPr id="7" name="TextBox 6"/>
-          <p:cNvSpPr txBox="1"/>
-          <p:nvPr/>
-        </p:nvSpPr>
-        <p:spPr>
-          <a:xfrm>
-            <a:off x="334125" y="1757547"/>
-            <a:ext cx="7828759" cy="954107"/>
-          </a:xfrm>
-          <a:prstGeom prst="rect">
-            <a:avLst/>
-          </a:prstGeom>
-          <a:noFill/>
-        </p:spPr>
-        <p:txBody>
-          <a:bodyPr wrap="square" rtlCol="0">
-            <a:spAutoFit/>
-          </a:bodyPr>
-          <a:lstStyle/>
-          <a:p>
-            <a:r>
-              <a:rPr lang="en-US" sz="2800" dirty="0" smtClean="0">
-                <a:latin typeface="Arial"/>
-                <a:cs typeface="Arial"/>
-              </a:rPr>
-              <a:t>We listen to your need, research your requirements, and come up with options. </a:t>
-            </a:r>
-            <a:endParaRPr lang="en-US" sz="2800" dirty="0">
-              <a:latin typeface="Arial"/>
-              <a:cs typeface="Arial"/>
-            </a:endParaRPr>
-          </a:p>
-        </p:txBody>
-      </p:sp>
-      <p:sp>
-        <p:nvSpPr>
-          <p:cNvPr id="8" name="Down Arrow 7"/>
-          <p:cNvSpPr/>
-          <p:nvPr/>
-        </p:nvSpPr>
-        <p:spPr>
-          <a:xfrm>
-            <a:off x="1369991" y="1114387"/>
-            <a:ext cx="585102" cy="643160"/>
-          </a:xfrm>
-          <a:prstGeom prst="downArrow">
-            <a:avLst/>
-          </a:prstGeom>
-        </p:spPr>
-        <p:style>
-          <a:lnRef idx="2">
-            <a:schemeClr val="dk1">
-              <a:shade val="50000"/>
-            </a:schemeClr>
-          </a:lnRef>
-          <a:fillRef idx="1">
-            <a:schemeClr val="dk1"/>
-          </a:fillRef>
-          <a:effectRef idx="0">
-            <a:schemeClr val="dk1"/>
-          </a:effectRef>
-          <a:fontRef idx="minor">
-            <a:schemeClr val="lt1"/>
-          </a:fontRef>
-        </p:style>
-        <p:txBody>
-          <a:bodyPr rtlCol="0" anchor="ctr"/>
-          <a:lstStyle/>
-          <a:p>
-            <a:pPr algn="ctr"/>
-            <a:endParaRPr lang="en-US"/>
           </a:p>
         </p:txBody>
       </p:sp>
     </p:spTree>
     <p:extLst>
       <p:ext uri="{BB962C8B-B14F-4D97-AF65-F5344CB8AC3E}">
-        <p14:creationId xmlns:p14="http://schemas.microsoft.com/office/powerpoint/2010/main" val="2964425904"/>
-      </p:ext>
-    </p:extLst>
-  </p:cSld>
-  <p:clrMapOvr>
-    <a:masterClrMapping/>
-  </p:clrMapOvr>
-</p:sld>
-</file>
-
-<file path=ppt/slides/slide4.xml><?xml version="1.0" encoding="utf-8"?>
-<p:sld xmlns:a="http://schemas.openxmlformats.org/drawingml/2006/main" xmlns:r="http://schemas.openxmlformats.org/officeDocument/2006/relationships" xmlns:p="http://schemas.openxmlformats.org/presentationml/2006/main">
-  <p:cSld>
-    <p:spTree>
-      <p:nvGrpSpPr>
-        <p:cNvPr id="1" name=""/>
-        <p:cNvGrpSpPr/>
-        <p:nvPr/>
-      </p:nvGrpSpPr>
-      <p:grpSpPr>
-        <a:xfrm>
-          <a:off x="0" y="0"/>
-          <a:ext cx="0" cy="0"/>
-          <a:chOff x="0" y="0"/>
-          <a:chExt cx="0" cy="0"/>
-        </a:xfrm>
-      </p:grpSpPr>
-      <p:sp>
-        <p:nvSpPr>
-          <p:cNvPr id="3" name="TextBox 2"/>
-          <p:cNvSpPr txBox="1"/>
-          <p:nvPr/>
-        </p:nvSpPr>
-        <p:spPr>
-          <a:xfrm>
-            <a:off x="2787912" y="191559"/>
-            <a:ext cx="3531511" cy="923330"/>
-          </a:xfrm>
-          <a:prstGeom prst="rect">
-            <a:avLst/>
-          </a:prstGeom>
-          <a:noFill/>
-        </p:spPr>
-        <p:txBody>
-          <a:bodyPr wrap="none" rtlCol="0">
-            <a:spAutoFit/>
-          </a:bodyPr>
-          <a:lstStyle/>
-          <a:p>
-            <a:r>
-              <a:rPr lang="en-US" sz="5400" b="1" dirty="0" smtClean="0">
-                <a:latin typeface="Arial"/>
-                <a:cs typeface="Arial"/>
-              </a:rPr>
-              <a:t>Solutions.</a:t>
-            </a:r>
-            <a:endParaRPr lang="en-US" sz="5400" b="1" dirty="0">
-              <a:latin typeface="Arial"/>
-              <a:cs typeface="Arial"/>
-            </a:endParaRPr>
-          </a:p>
-        </p:txBody>
-      </p:sp>
-      <p:sp>
-        <p:nvSpPr>
-          <p:cNvPr id="4" name="TextBox 3"/>
-          <p:cNvSpPr txBox="1"/>
-          <p:nvPr/>
-        </p:nvSpPr>
-        <p:spPr>
-          <a:xfrm>
-            <a:off x="6141552" y="191559"/>
-            <a:ext cx="2686177" cy="923330"/>
-          </a:xfrm>
-          <a:prstGeom prst="rect">
-            <a:avLst/>
-          </a:prstGeom>
-          <a:noFill/>
-        </p:spPr>
-        <p:txBody>
-          <a:bodyPr wrap="none" rtlCol="0">
-            <a:spAutoFit/>
-          </a:bodyPr>
-          <a:lstStyle/>
-          <a:p>
-            <a:r>
-              <a:rPr lang="en-US" sz="5400" dirty="0" smtClean="0">
-                <a:latin typeface="Arial"/>
-                <a:cs typeface="Arial"/>
-              </a:rPr>
-              <a:t>Results.</a:t>
-            </a:r>
-            <a:endParaRPr lang="en-US" sz="5400" dirty="0">
-              <a:latin typeface="Arial"/>
-              <a:cs typeface="Arial"/>
-            </a:endParaRPr>
-          </a:p>
-        </p:txBody>
-      </p:sp>
-      <p:sp>
-        <p:nvSpPr>
-          <p:cNvPr id="5" name="TextBox 4"/>
-          <p:cNvSpPr txBox="1"/>
-          <p:nvPr/>
-        </p:nvSpPr>
-        <p:spPr>
-          <a:xfrm>
-            <a:off x="199784" y="191057"/>
-            <a:ext cx="2763610" cy="923330"/>
-          </a:xfrm>
-          <a:prstGeom prst="rect">
-            <a:avLst/>
-          </a:prstGeom>
-          <a:noFill/>
-        </p:spPr>
-        <p:txBody>
-          <a:bodyPr wrap="none" rtlCol="0">
-            <a:spAutoFit/>
-          </a:bodyPr>
-          <a:lstStyle/>
-          <a:p>
-            <a:r>
-              <a:rPr lang="en-US" sz="5400" dirty="0" smtClean="0">
-                <a:latin typeface="Arial"/>
-                <a:cs typeface="Arial"/>
-              </a:rPr>
-              <a:t>Options.</a:t>
-            </a:r>
-            <a:endParaRPr lang="en-US" sz="5400" dirty="0">
-              <a:latin typeface="Arial"/>
-              <a:cs typeface="Arial"/>
-            </a:endParaRPr>
-          </a:p>
-        </p:txBody>
-      </p:sp>
-      <p:pic>
-        <p:nvPicPr>
-          <p:cNvPr id="6" name="Picture 5"/>
-          <p:cNvPicPr>
-            <a:picLocks noChangeAspect="1"/>
-          </p:cNvPicPr>
-          <p:nvPr/>
-        </p:nvPicPr>
-        <p:blipFill>
-          <a:blip r:embed="rId2"/>
-          <a:stretch>
-            <a:fillRect/>
-          </a:stretch>
-        </p:blipFill>
-        <p:spPr>
-          <a:xfrm>
-            <a:off x="6141552" y="3296931"/>
-            <a:ext cx="2645436" cy="1754268"/>
-          </a:xfrm>
-          <a:prstGeom prst="rect">
-            <a:avLst/>
-          </a:prstGeom>
-          <a:effectLst>
-            <a:glow rad="139700">
-              <a:schemeClr val="accent3">
-                <a:satMod val="175000"/>
-                <a:alpha val="40000"/>
-              </a:schemeClr>
-            </a:glow>
-          </a:effectLst>
-        </p:spPr>
-      </p:pic>
-      <p:sp>
-        <p:nvSpPr>
-          <p:cNvPr id="7" name="TextBox 6"/>
-          <p:cNvSpPr txBox="1"/>
-          <p:nvPr/>
-        </p:nvSpPr>
-        <p:spPr>
-          <a:xfrm>
-            <a:off x="334125" y="1757547"/>
-            <a:ext cx="7828759" cy="523220"/>
-          </a:xfrm>
-          <a:prstGeom prst="rect">
-            <a:avLst/>
-          </a:prstGeom>
-          <a:noFill/>
-        </p:spPr>
-        <p:txBody>
-          <a:bodyPr wrap="square" rtlCol="0">
-            <a:spAutoFit/>
-          </a:bodyPr>
-          <a:lstStyle/>
-          <a:p>
-            <a:r>
-              <a:rPr lang="en-US" sz="2800" smtClean="0">
-                <a:latin typeface="Arial"/>
-                <a:cs typeface="Arial"/>
-              </a:rPr>
-              <a:t>We   </a:t>
-            </a:r>
-            <a:endParaRPr lang="en-US" sz="2800" dirty="0">
-              <a:latin typeface="Arial"/>
-              <a:cs typeface="Arial"/>
-            </a:endParaRPr>
-          </a:p>
-        </p:txBody>
-      </p:sp>
-      <p:sp>
-        <p:nvSpPr>
-          <p:cNvPr id="8" name="Down Arrow 7"/>
-          <p:cNvSpPr/>
-          <p:nvPr/>
-        </p:nvSpPr>
-        <p:spPr>
-          <a:xfrm>
-            <a:off x="3910189" y="1114889"/>
-            <a:ext cx="585102" cy="643160"/>
-          </a:xfrm>
-          <a:prstGeom prst="downArrow">
-            <a:avLst/>
-          </a:prstGeom>
-        </p:spPr>
-        <p:style>
-          <a:lnRef idx="2">
-            <a:schemeClr val="dk1">
-              <a:shade val="50000"/>
-            </a:schemeClr>
-          </a:lnRef>
-          <a:fillRef idx="1">
-            <a:schemeClr val="dk1"/>
-          </a:fillRef>
-          <a:effectRef idx="0">
-            <a:schemeClr val="dk1"/>
-          </a:effectRef>
-          <a:fontRef idx="minor">
-            <a:schemeClr val="lt1"/>
-          </a:fontRef>
-        </p:style>
-        <p:txBody>
-          <a:bodyPr rtlCol="0" anchor="ctr"/>
-          <a:lstStyle/>
-          <a:p>
-            <a:pPr algn="ctr"/>
-            <a:endParaRPr lang="en-US"/>
-          </a:p>
-        </p:txBody>
-      </p:sp>
-    </p:spTree>
-    <p:extLst>
-      <p:ext uri="{BB962C8B-B14F-4D97-AF65-F5344CB8AC3E}">
-        <p14:creationId xmlns:p14="http://schemas.microsoft.com/office/powerpoint/2010/main" val="761853988"/>
+        <p14:creationId xmlns:p14="http://schemas.microsoft.com/office/powerpoint/2010/main" val="3652358685"/>
       </p:ext>
     </p:extLst>
   </p:cSld>

--- a/images/slider/17ways website.pptx
+++ b/images/slider/17ways website.pptx
@@ -8,6 +8,7 @@
     <p:sldId id="256" r:id="rId2"/>
     <p:sldId id="257" r:id="rId3"/>
     <p:sldId id="258" r:id="rId4"/>
+    <p:sldId id="259" r:id="rId5"/>
   </p:sldIdLst>
   <p:sldSz cx="9144000" cy="6858000" type="screen4x3"/>
   <p:notesSz cx="6858000" cy="9144000"/>
@@ -106,6 +107,22 @@
       </a:defRPr>
     </a:lvl9pPr>
   </p:defaultTextStyle>
+  <p:extLst>
+    <p:ext uri="{EFAFB233-063F-42B5-8137-9DF3F51BA10A}">
+      <p15:sldGuideLst xmlns:p15="http://schemas.microsoft.com/office/powerpoint/2012/main">
+        <p15:guide id="1" orient="horz" pos="2160">
+          <p15:clr>
+            <a:srgbClr val="A4A3A4"/>
+          </p15:clr>
+        </p15:guide>
+        <p15:guide id="2" pos="2880">
+          <p15:clr>
+            <a:srgbClr val="A4A3A4"/>
+          </p15:clr>
+        </p15:guide>
+      </p15:sldGuideLst>
+    </p:ext>
+  </p:extLst>
 </p:presentation>
 </file>
 
@@ -290,7 +307,7 @@
           <a:p>
             <a:fld id="{FCE55AB8-8DAF-DC4E-9F67-6AE616D067FE}" type="datetimeFigureOut">
               <a:rPr lang="en-US" smtClean="0"/>
-              <a:t>10/02/15</a:t>
+              <a:t>2/16/2015</a:t>
             </a:fld>
             <a:endParaRPr lang="en-US"/>
           </a:p>
@@ -460,7 +477,7 @@
           <a:p>
             <a:fld id="{FCE55AB8-8DAF-DC4E-9F67-6AE616D067FE}" type="datetimeFigureOut">
               <a:rPr lang="en-US" smtClean="0"/>
-              <a:t>10/02/15</a:t>
+              <a:t>2/16/2015</a:t>
             </a:fld>
             <a:endParaRPr lang="en-US"/>
           </a:p>
@@ -640,7 +657,7 @@
           <a:p>
             <a:fld id="{FCE55AB8-8DAF-DC4E-9F67-6AE616D067FE}" type="datetimeFigureOut">
               <a:rPr lang="en-US" smtClean="0"/>
-              <a:t>10/02/15</a:t>
+              <a:t>2/16/2015</a:t>
             </a:fld>
             <a:endParaRPr lang="en-US"/>
           </a:p>
@@ -810,7 +827,7 @@
           <a:p>
             <a:fld id="{FCE55AB8-8DAF-DC4E-9F67-6AE616D067FE}" type="datetimeFigureOut">
               <a:rPr lang="en-US" smtClean="0"/>
-              <a:t>10/02/15</a:t>
+              <a:t>2/16/2015</a:t>
             </a:fld>
             <a:endParaRPr lang="en-US"/>
           </a:p>
@@ -1056,7 +1073,7 @@
           <a:p>
             <a:fld id="{FCE55AB8-8DAF-DC4E-9F67-6AE616D067FE}" type="datetimeFigureOut">
               <a:rPr lang="en-US" smtClean="0"/>
-              <a:t>10/02/15</a:t>
+              <a:t>2/16/2015</a:t>
             </a:fld>
             <a:endParaRPr lang="en-US"/>
           </a:p>
@@ -1344,7 +1361,7 @@
           <a:p>
             <a:fld id="{FCE55AB8-8DAF-DC4E-9F67-6AE616D067FE}" type="datetimeFigureOut">
               <a:rPr lang="en-US" smtClean="0"/>
-              <a:t>10/02/15</a:t>
+              <a:t>2/16/2015</a:t>
             </a:fld>
             <a:endParaRPr lang="en-US"/>
           </a:p>
@@ -1766,7 +1783,7 @@
           <a:p>
             <a:fld id="{FCE55AB8-8DAF-DC4E-9F67-6AE616D067FE}" type="datetimeFigureOut">
               <a:rPr lang="en-US" smtClean="0"/>
-              <a:t>10/02/15</a:t>
+              <a:t>2/16/2015</a:t>
             </a:fld>
             <a:endParaRPr lang="en-US"/>
           </a:p>
@@ -1884,7 +1901,7 @@
           <a:p>
             <a:fld id="{FCE55AB8-8DAF-DC4E-9F67-6AE616D067FE}" type="datetimeFigureOut">
               <a:rPr lang="en-US" smtClean="0"/>
-              <a:t>10/02/15</a:t>
+              <a:t>2/16/2015</a:t>
             </a:fld>
             <a:endParaRPr lang="en-US"/>
           </a:p>
@@ -1979,7 +1996,7 @@
           <a:p>
             <a:fld id="{FCE55AB8-8DAF-DC4E-9F67-6AE616D067FE}" type="datetimeFigureOut">
               <a:rPr lang="en-US" smtClean="0"/>
-              <a:t>10/02/15</a:t>
+              <a:t>2/16/2015</a:t>
             </a:fld>
             <a:endParaRPr lang="en-US"/>
           </a:p>
@@ -2256,7 +2273,7 @@
           <a:p>
             <a:fld id="{FCE55AB8-8DAF-DC4E-9F67-6AE616D067FE}" type="datetimeFigureOut">
               <a:rPr lang="en-US" smtClean="0"/>
-              <a:t>10/02/15</a:t>
+              <a:t>2/16/2015</a:t>
             </a:fld>
             <a:endParaRPr lang="en-US"/>
           </a:p>
@@ -2509,7 +2526,7 @@
           <a:p>
             <a:fld id="{FCE55AB8-8DAF-DC4E-9F67-6AE616D067FE}" type="datetimeFigureOut">
               <a:rPr lang="en-US" smtClean="0"/>
-              <a:t>10/02/15</a:t>
+              <a:t>2/16/2015</a:t>
             </a:fld>
             <a:endParaRPr lang="en-US"/>
           </a:p>
@@ -2722,7 +2739,7 @@
           <a:p>
             <a:fld id="{FCE55AB8-8DAF-DC4E-9F67-6AE616D067FE}" type="datetimeFigureOut">
               <a:rPr lang="en-US" smtClean="0"/>
-              <a:t>10/02/15</a:t>
+              <a:t>2/16/2015</a:t>
             </a:fld>
             <a:endParaRPr lang="en-US"/>
           </a:p>
@@ -3220,7 +3237,7 @@
           <a:blip r:embed="rId2">
             <a:extLst>
               <a:ext uri="{28A0092B-C50C-407E-A947-70E740481C1C}">
-                <a14:useLocalDpi xmlns:a14="http://schemas.microsoft.com/office/drawing/2010/main" val="0"/>
+                <a14:useLocalDpi xmlns:a14="http://schemas.microsoft.com/office/drawing/2010/main"/>
               </a:ext>
             </a:extLst>
           </a:blip>
@@ -3306,17 +3323,119 @@
       </p:grpSpPr>
       <p:pic>
         <p:nvPicPr>
-          <p:cNvPr id="2" name="Picture 1" descr="17ways_big_logo.png"/>
+          <p:cNvPr id="12" name="Picture 11"/>
           <p:cNvPicPr>
             <a:picLocks noChangeAspect="1"/>
           </p:cNvPicPr>
           <p:nvPr/>
         </p:nvPicPr>
         <p:blipFill>
-          <a:blip r:embed="rId2">
+          <a:blip r:embed="rId2"/>
+          <a:stretch>
+            <a:fillRect/>
+          </a:stretch>
+        </p:blipFill>
+        <p:spPr>
+          <a:xfrm>
+            <a:off x="3119436" y="1703353"/>
+            <a:ext cx="2933700" cy="704850"/>
+          </a:xfrm>
+          <a:prstGeom prst="rect">
+            <a:avLst/>
+          </a:prstGeom>
+        </p:spPr>
+      </p:pic>
+      <p:pic>
+        <p:nvPicPr>
+          <p:cNvPr id="13" name="Picture 12"/>
+          <p:cNvPicPr>
+            <a:picLocks noChangeAspect="1"/>
+          </p:cNvPicPr>
+          <p:nvPr/>
+        </p:nvPicPr>
+        <p:blipFill>
+          <a:blip r:embed="rId3"/>
+          <a:stretch>
+            <a:fillRect/>
+          </a:stretch>
+        </p:blipFill>
+        <p:spPr>
+          <a:xfrm>
+            <a:off x="2690812" y="2995612"/>
+            <a:ext cx="3762375" cy="866775"/>
+          </a:xfrm>
+          <a:prstGeom prst="rect">
+            <a:avLst/>
+          </a:prstGeom>
+        </p:spPr>
+      </p:pic>
+      <p:pic>
+        <p:nvPicPr>
+          <p:cNvPr id="14" name="Picture 13"/>
+          <p:cNvPicPr>
+            <a:picLocks noChangeAspect="1"/>
+          </p:cNvPicPr>
+          <p:nvPr/>
+        </p:nvPicPr>
+        <p:blipFill>
+          <a:blip r:embed="rId4"/>
+          <a:stretch>
+            <a:fillRect/>
+          </a:stretch>
+        </p:blipFill>
+        <p:spPr>
+          <a:xfrm>
+            <a:off x="3105148" y="4284426"/>
+            <a:ext cx="2962275" cy="857250"/>
+          </a:xfrm>
+          <a:prstGeom prst="rect">
+            <a:avLst/>
+          </a:prstGeom>
+        </p:spPr>
+      </p:pic>
+    </p:spTree>
+    <p:extLst>
+      <p:ext uri="{BB962C8B-B14F-4D97-AF65-F5344CB8AC3E}">
+        <p14:creationId xmlns:p14="http://schemas.microsoft.com/office/powerpoint/2010/main" val="3652358685"/>
+      </p:ext>
+    </p:extLst>
+  </p:cSld>
+  <p:clrMapOvr>
+    <a:masterClrMapping/>
+  </p:clrMapOvr>
+</p:sld>
+</file>
+
+<file path=ppt/slides/slide4.xml><?xml version="1.0" encoding="utf-8"?>
+<p:sld xmlns:a="http://schemas.openxmlformats.org/drawingml/2006/main" xmlns:r="http://schemas.openxmlformats.org/officeDocument/2006/relationships" xmlns:p="http://schemas.openxmlformats.org/presentationml/2006/main">
+  <p:cSld>
+    <p:spTree>
+      <p:nvGrpSpPr>
+        <p:cNvPr id="1" name=""/>
+        <p:cNvGrpSpPr/>
+        <p:nvPr/>
+      </p:nvGrpSpPr>
+      <p:grpSpPr>
+        <a:xfrm>
+          <a:off x="0" y="0"/>
+          <a:ext cx="0" cy="0"/>
+          <a:chOff x="0" y="0"/>
+          <a:chExt cx="0" cy="0"/>
+        </a:xfrm>
+      </p:grpSpPr>
+      <p:pic>
+        <p:nvPicPr>
+          <p:cNvPr id="2" name="Picture 1"/>
+          <p:cNvPicPr>
+            <a:picLocks noChangeAspect="1"/>
+          </p:cNvPicPr>
+          <p:nvPr/>
+        </p:nvPicPr>
+        <p:blipFill>
+          <a:blip r:embed="rId2" cstate="print">
             <a:extLst>
               <a:ext uri="{28A0092B-C50C-407E-A947-70E740481C1C}">
-                <a14:useLocalDpi xmlns:a14="http://schemas.microsoft.com/office/drawing/2010/main" val="0"/>
+                <a14:useLocalDpi xmlns:a14="http://schemas.microsoft.com/office/drawing/2010/main"/>
               </a:ext>
             </a:extLst>
           </a:blip>
@@ -3326,153 +3445,18 @@
         </p:blipFill>
         <p:spPr>
           <a:xfrm>
-            <a:off x="0" y="-11552"/>
-            <a:ext cx="9159402" cy="6869552"/>
+            <a:off x="0" y="1018094"/>
+            <a:ext cx="9144000" cy="4821812"/>
           </a:xfrm>
           <a:prstGeom prst="rect">
             <a:avLst/>
           </a:prstGeom>
         </p:spPr>
       </p:pic>
-      <p:sp>
-        <p:nvSpPr>
-          <p:cNvPr id="3" name="TextBox 2"/>
-          <p:cNvSpPr txBox="1"/>
-          <p:nvPr/>
-        </p:nvSpPr>
-        <p:spPr>
-          <a:xfrm>
-            <a:off x="4552380" y="4757030"/>
-            <a:ext cx="2454518" cy="646331"/>
-          </a:xfrm>
-          <a:prstGeom prst="rect">
-            <a:avLst/>
-          </a:prstGeom>
-          <a:noFill/>
-        </p:spPr>
-        <p:txBody>
-          <a:bodyPr wrap="none" rtlCol="0">
-            <a:spAutoFit/>
-          </a:bodyPr>
-          <a:lstStyle/>
-          <a:p>
-            <a:pPr marL="68400" indent="-284400" algn="ctr">
-              <a:buFont typeface="Arial"/>
-              <a:buChar char="•"/>
-            </a:pPr>
-            <a:r>
-              <a:rPr lang="en-US" sz="3600" i="1" dirty="0" smtClean="0">
-                <a:solidFill>
-                  <a:srgbClr val="FF6600"/>
-                </a:solidFill>
-                <a:latin typeface="Muli"/>
-                <a:cs typeface="Muli"/>
-              </a:rPr>
-              <a:t>Solutions</a:t>
-            </a:r>
-            <a:endParaRPr lang="en-US" sz="3600" i="1" dirty="0">
-              <a:solidFill>
-                <a:srgbClr val="FF6600"/>
-              </a:solidFill>
-              <a:latin typeface="Muli"/>
-              <a:cs typeface="Muli"/>
-            </a:endParaRPr>
-          </a:p>
-        </p:txBody>
-      </p:sp>
-      <p:sp>
-        <p:nvSpPr>
-          <p:cNvPr id="4" name="TextBox 3"/>
-          <p:cNvSpPr txBox="1"/>
-          <p:nvPr/>
-        </p:nvSpPr>
-        <p:spPr>
-          <a:xfrm>
-            <a:off x="2702293" y="4728493"/>
-            <a:ext cx="2018161" cy="646331"/>
-          </a:xfrm>
-          <a:prstGeom prst="rect">
-            <a:avLst/>
-          </a:prstGeom>
-          <a:noFill/>
-        </p:spPr>
-        <p:txBody>
-          <a:bodyPr wrap="none" rtlCol="0">
-            <a:spAutoFit/>
-          </a:bodyPr>
-          <a:lstStyle/>
-          <a:p>
-            <a:pPr algn="ctr"/>
-            <a:r>
-              <a:rPr lang="en-US" sz="3600" i="1" dirty="0" smtClean="0">
-                <a:solidFill>
-                  <a:srgbClr val="FF6600"/>
-                </a:solidFill>
-                <a:latin typeface="Muli Italic"/>
-                <a:cs typeface="Muli Italic"/>
-              </a:rPr>
-              <a:t>Options</a:t>
-            </a:r>
-            <a:endParaRPr lang="en-US" sz="3600" i="1" dirty="0">
-              <a:solidFill>
-                <a:srgbClr val="FF6600"/>
-              </a:solidFill>
-              <a:latin typeface="Muli Italic"/>
-              <a:cs typeface="Muli Italic"/>
-            </a:endParaRPr>
-          </a:p>
-        </p:txBody>
-      </p:sp>
-      <p:sp>
-        <p:nvSpPr>
-          <p:cNvPr id="6" name="TextBox 5"/>
-          <p:cNvSpPr txBox="1"/>
-          <p:nvPr/>
-        </p:nvSpPr>
-        <p:spPr>
-          <a:xfrm>
-            <a:off x="7035440" y="4757030"/>
-            <a:ext cx="2018501" cy="646331"/>
-          </a:xfrm>
-          <a:prstGeom prst="rect">
-            <a:avLst/>
-          </a:prstGeom>
-          <a:noFill/>
-        </p:spPr>
-        <p:txBody>
-          <a:bodyPr wrap="none" rtlCol="0">
-            <a:spAutoFit/>
-          </a:bodyPr>
-          <a:lstStyle/>
-          <a:p>
-            <a:pPr marL="68400" indent="-284400" algn="ctr">
-              <a:buFont typeface="Arial"/>
-              <a:buChar char="•"/>
-            </a:pPr>
-            <a:r>
-              <a:rPr lang="en-US" sz="3600" i="1" dirty="0" smtClean="0">
-                <a:solidFill>
-                  <a:srgbClr val="FF6600"/>
-                </a:solidFill>
-                <a:latin typeface="Muli"/>
-                <a:cs typeface="Muli"/>
-              </a:rPr>
-              <a:t>Results</a:t>
-            </a:r>
-            <a:endParaRPr lang="en-US" sz="3600" i="1" dirty="0">
-              <a:solidFill>
-                <a:srgbClr val="FF6600"/>
-              </a:solidFill>
-              <a:latin typeface="Muli"/>
-              <a:cs typeface="Muli"/>
-            </a:endParaRPr>
-          </a:p>
-        </p:txBody>
-      </p:sp>
     </p:spTree>
     <p:extLst>
       <p:ext uri="{BB962C8B-B14F-4D97-AF65-F5344CB8AC3E}">
-        <p14:creationId xmlns:p14="http://schemas.microsoft.com/office/powerpoint/2010/main" val="3652358685"/>
+        <p14:creationId xmlns:p14="http://schemas.microsoft.com/office/powerpoint/2010/main" val="29111032"/>
       </p:ext>
     </p:extLst>
   </p:cSld>

--- a/images/slider/17ways website.pptx
+++ b/images/slider/17ways website.pptx
@@ -9,6 +9,11 @@
     <p:sldId id="257" r:id="rId3"/>
     <p:sldId id="258" r:id="rId4"/>
     <p:sldId id="259" r:id="rId5"/>
+    <p:sldId id="260" r:id="rId6"/>
+    <p:sldId id="261" r:id="rId7"/>
+    <p:sldId id="262" r:id="rId8"/>
+    <p:sldId id="263" r:id="rId9"/>
+    <p:sldId id="264" r:id="rId10"/>
   </p:sldIdLst>
   <p:sldSz cx="9144000" cy="6858000" type="screen4x3"/>
   <p:notesSz cx="6858000" cy="9144000"/>
@@ -307,7 +312,7 @@
           <a:p>
             <a:fld id="{FCE55AB8-8DAF-DC4E-9F67-6AE616D067FE}" type="datetimeFigureOut">
               <a:rPr lang="en-US" smtClean="0"/>
-              <a:t>2/16/2015</a:t>
+              <a:t>4/1/2015</a:t>
             </a:fld>
             <a:endParaRPr lang="en-US"/>
           </a:p>
@@ -477,7 +482,7 @@
           <a:p>
             <a:fld id="{FCE55AB8-8DAF-DC4E-9F67-6AE616D067FE}" type="datetimeFigureOut">
               <a:rPr lang="en-US" smtClean="0"/>
-              <a:t>2/16/2015</a:t>
+              <a:t>4/1/2015</a:t>
             </a:fld>
             <a:endParaRPr lang="en-US"/>
           </a:p>
@@ -657,7 +662,7 @@
           <a:p>
             <a:fld id="{FCE55AB8-8DAF-DC4E-9F67-6AE616D067FE}" type="datetimeFigureOut">
               <a:rPr lang="en-US" smtClean="0"/>
-              <a:t>2/16/2015</a:t>
+              <a:t>4/1/2015</a:t>
             </a:fld>
             <a:endParaRPr lang="en-US"/>
           </a:p>
@@ -827,7 +832,7 @@
           <a:p>
             <a:fld id="{FCE55AB8-8DAF-DC4E-9F67-6AE616D067FE}" type="datetimeFigureOut">
               <a:rPr lang="en-US" smtClean="0"/>
-              <a:t>2/16/2015</a:t>
+              <a:t>4/1/2015</a:t>
             </a:fld>
             <a:endParaRPr lang="en-US"/>
           </a:p>
@@ -1073,7 +1078,7 @@
           <a:p>
             <a:fld id="{FCE55AB8-8DAF-DC4E-9F67-6AE616D067FE}" type="datetimeFigureOut">
               <a:rPr lang="en-US" smtClean="0"/>
-              <a:t>2/16/2015</a:t>
+              <a:t>4/1/2015</a:t>
             </a:fld>
             <a:endParaRPr lang="en-US"/>
           </a:p>
@@ -1361,7 +1366,7 @@
           <a:p>
             <a:fld id="{FCE55AB8-8DAF-DC4E-9F67-6AE616D067FE}" type="datetimeFigureOut">
               <a:rPr lang="en-US" smtClean="0"/>
-              <a:t>2/16/2015</a:t>
+              <a:t>4/1/2015</a:t>
             </a:fld>
             <a:endParaRPr lang="en-US"/>
           </a:p>
@@ -1783,7 +1788,7 @@
           <a:p>
             <a:fld id="{FCE55AB8-8DAF-DC4E-9F67-6AE616D067FE}" type="datetimeFigureOut">
               <a:rPr lang="en-US" smtClean="0"/>
-              <a:t>2/16/2015</a:t>
+              <a:t>4/1/2015</a:t>
             </a:fld>
             <a:endParaRPr lang="en-US"/>
           </a:p>
@@ -1901,7 +1906,7 @@
           <a:p>
             <a:fld id="{FCE55AB8-8DAF-DC4E-9F67-6AE616D067FE}" type="datetimeFigureOut">
               <a:rPr lang="en-US" smtClean="0"/>
-              <a:t>2/16/2015</a:t>
+              <a:t>4/1/2015</a:t>
             </a:fld>
             <a:endParaRPr lang="en-US"/>
           </a:p>
@@ -1996,7 +2001,7 @@
           <a:p>
             <a:fld id="{FCE55AB8-8DAF-DC4E-9F67-6AE616D067FE}" type="datetimeFigureOut">
               <a:rPr lang="en-US" smtClean="0"/>
-              <a:t>2/16/2015</a:t>
+              <a:t>4/1/2015</a:t>
             </a:fld>
             <a:endParaRPr lang="en-US"/>
           </a:p>
@@ -2273,7 +2278,7 @@
           <a:p>
             <a:fld id="{FCE55AB8-8DAF-DC4E-9F67-6AE616D067FE}" type="datetimeFigureOut">
               <a:rPr lang="en-US" smtClean="0"/>
-              <a:t>2/16/2015</a:t>
+              <a:t>4/1/2015</a:t>
             </a:fld>
             <a:endParaRPr lang="en-US"/>
           </a:p>
@@ -2526,7 +2531,7 @@
           <a:p>
             <a:fld id="{FCE55AB8-8DAF-DC4E-9F67-6AE616D067FE}" type="datetimeFigureOut">
               <a:rPr lang="en-US" smtClean="0"/>
-              <a:t>2/16/2015</a:t>
+              <a:t>4/1/2015</a:t>
             </a:fld>
             <a:endParaRPr lang="en-US"/>
           </a:p>
@@ -2739,7 +2744,7 @@
           <a:p>
             <a:fld id="{FCE55AB8-8DAF-DC4E-9F67-6AE616D067FE}" type="datetimeFigureOut">
               <a:rPr lang="en-US" smtClean="0"/>
-              <a:t>2/16/2015</a:t>
+              <a:t>4/1/2015</a:t>
             </a:fld>
             <a:endParaRPr lang="en-US"/>
           </a:p>
@@ -3457,6 +3462,1792 @@
     <p:extLst>
       <p:ext uri="{BB962C8B-B14F-4D97-AF65-F5344CB8AC3E}">
         <p14:creationId xmlns:p14="http://schemas.microsoft.com/office/powerpoint/2010/main" val="29111032"/>
+      </p:ext>
+    </p:extLst>
+  </p:cSld>
+  <p:clrMapOvr>
+    <a:masterClrMapping/>
+  </p:clrMapOvr>
+</p:sld>
+</file>
+
+<file path=ppt/slides/slide5.xml><?xml version="1.0" encoding="utf-8"?>
+<p:sld xmlns:a="http://schemas.openxmlformats.org/drawingml/2006/main" xmlns:r="http://schemas.openxmlformats.org/officeDocument/2006/relationships" xmlns:p="http://schemas.openxmlformats.org/presentationml/2006/main">
+  <p:cSld>
+    <p:spTree>
+      <p:nvGrpSpPr>
+        <p:cNvPr id="1" name=""/>
+        <p:cNvGrpSpPr/>
+        <p:nvPr/>
+      </p:nvGrpSpPr>
+      <p:grpSpPr>
+        <a:xfrm>
+          <a:off x="0" y="0"/>
+          <a:ext cx="0" cy="0"/>
+          <a:chOff x="0" y="0"/>
+          <a:chExt cx="0" cy="0"/>
+        </a:xfrm>
+      </p:grpSpPr>
+      <p:sp>
+        <p:nvSpPr>
+          <p:cNvPr id="2" name="Rounded Rectangle 1"/>
+          <p:cNvSpPr/>
+          <p:nvPr/>
+        </p:nvSpPr>
+        <p:spPr>
+          <a:xfrm>
+            <a:off x="1440611" y="1017917"/>
+            <a:ext cx="2820838" cy="1483743"/>
+          </a:xfrm>
+          <a:prstGeom prst="roundRect">
+            <a:avLst/>
+          </a:prstGeom>
+          <a:solidFill>
+            <a:schemeClr val="accent4"/>
+          </a:solidFill>
+          <a:effectLst>
+            <a:outerShdw blurRad="50800" dist="38100" algn="l" rotWithShape="0">
+              <a:prstClr val="black">
+                <a:alpha val="40000"/>
+              </a:prstClr>
+            </a:outerShdw>
+          </a:effectLst>
+        </p:spPr>
+        <p:style>
+          <a:lnRef idx="1">
+            <a:schemeClr val="accent4"/>
+          </a:lnRef>
+          <a:fillRef idx="3">
+            <a:schemeClr val="accent4"/>
+          </a:fillRef>
+          <a:effectRef idx="2">
+            <a:schemeClr val="accent4"/>
+          </a:effectRef>
+          <a:fontRef idx="minor">
+            <a:schemeClr val="lt1"/>
+          </a:fontRef>
+        </p:style>
+        <p:txBody>
+          <a:bodyPr rtlCol="0" anchor="ctr"/>
+          <a:lstStyle/>
+          <a:p>
+            <a:pPr algn="ctr"/>
+            <a:r>
+              <a:rPr lang="en-AU" dirty="0" smtClean="0"/>
+              <a:t>Software As A Service</a:t>
+            </a:r>
+            <a:endParaRPr lang="en-PH" dirty="0"/>
+          </a:p>
+        </p:txBody>
+      </p:sp>
+      <p:sp>
+        <p:nvSpPr>
+          <p:cNvPr id="3" name="TextBox 2"/>
+          <p:cNvSpPr txBox="1"/>
+          <p:nvPr/>
+        </p:nvSpPr>
+        <p:spPr>
+          <a:xfrm>
+            <a:off x="4779034" y="1344289"/>
+            <a:ext cx="2928238" cy="830997"/>
+          </a:xfrm>
+          <a:prstGeom prst="rect">
+            <a:avLst/>
+          </a:prstGeom>
+          <a:noFill/>
+        </p:spPr>
+        <p:txBody>
+          <a:bodyPr wrap="none" rtlCol="0">
+            <a:spAutoFit/>
+          </a:bodyPr>
+          <a:lstStyle/>
+          <a:p>
+            <a:r>
+              <a:rPr lang="en-AU" sz="1600" dirty="0" smtClean="0"/>
+              <a:t>A whole business application</a:t>
+            </a:r>
+          </a:p>
+          <a:p>
+            <a:r>
+              <a:rPr lang="en-AU" sz="1600" dirty="0" smtClean="0"/>
+              <a:t>Fully supported by vendor</a:t>
+            </a:r>
+          </a:p>
+          <a:p>
+            <a:r>
+              <a:rPr lang="en-AU" sz="1600" dirty="0" smtClean="0"/>
+              <a:t>No internal IT resources required</a:t>
+            </a:r>
+            <a:endParaRPr lang="en-PH" sz="1600" dirty="0"/>
+          </a:p>
+        </p:txBody>
+      </p:sp>
+      <p:sp>
+        <p:nvSpPr>
+          <p:cNvPr id="4" name="Rounded Rectangle 3"/>
+          <p:cNvSpPr/>
+          <p:nvPr/>
+        </p:nvSpPr>
+        <p:spPr>
+          <a:xfrm>
+            <a:off x="1446361" y="2731702"/>
+            <a:ext cx="2820838" cy="1483743"/>
+          </a:xfrm>
+          <a:prstGeom prst="roundRect">
+            <a:avLst/>
+          </a:prstGeom>
+          <a:solidFill>
+            <a:schemeClr val="tx2"/>
+          </a:solidFill>
+          <a:effectLst>
+            <a:outerShdw blurRad="50800" dist="38100" algn="l" rotWithShape="0">
+              <a:prstClr val="black">
+                <a:alpha val="40000"/>
+              </a:prstClr>
+            </a:outerShdw>
+          </a:effectLst>
+        </p:spPr>
+        <p:style>
+          <a:lnRef idx="1">
+            <a:schemeClr val="accent4"/>
+          </a:lnRef>
+          <a:fillRef idx="3">
+            <a:schemeClr val="accent4"/>
+          </a:fillRef>
+          <a:effectRef idx="2">
+            <a:schemeClr val="accent4"/>
+          </a:effectRef>
+          <a:fontRef idx="minor">
+            <a:schemeClr val="lt1"/>
+          </a:fontRef>
+        </p:style>
+        <p:txBody>
+          <a:bodyPr rtlCol="0" anchor="ctr"/>
+          <a:lstStyle/>
+          <a:p>
+            <a:pPr algn="ctr"/>
+            <a:r>
+              <a:rPr lang="en-AU" dirty="0" smtClean="0"/>
+              <a:t>Platform As A Service</a:t>
+            </a:r>
+            <a:endParaRPr lang="en-PH" dirty="0"/>
+          </a:p>
+        </p:txBody>
+      </p:sp>
+      <p:sp>
+        <p:nvSpPr>
+          <p:cNvPr id="5" name="TextBox 4"/>
+          <p:cNvSpPr txBox="1"/>
+          <p:nvPr/>
+        </p:nvSpPr>
+        <p:spPr>
+          <a:xfrm>
+            <a:off x="4784784" y="3058074"/>
+            <a:ext cx="3821303" cy="830997"/>
+          </a:xfrm>
+          <a:prstGeom prst="rect">
+            <a:avLst/>
+          </a:prstGeom>
+          <a:noFill/>
+        </p:spPr>
+        <p:txBody>
+          <a:bodyPr wrap="none" rtlCol="0">
+            <a:spAutoFit/>
+          </a:bodyPr>
+          <a:lstStyle/>
+          <a:p>
+            <a:r>
+              <a:rPr lang="en-AU" sz="1600" dirty="0" smtClean="0"/>
+              <a:t>A component of a system (e.g. database)</a:t>
+            </a:r>
+          </a:p>
+          <a:p>
+            <a:r>
+              <a:rPr lang="en-AU" sz="1600" dirty="0"/>
+              <a:t>S</a:t>
+            </a:r>
+            <a:r>
+              <a:rPr lang="en-AU" sz="1600" dirty="0" smtClean="0"/>
+              <a:t>upported by vendor</a:t>
+            </a:r>
+          </a:p>
+          <a:p>
+            <a:r>
+              <a:rPr lang="en-AU" sz="1600" dirty="0" smtClean="0"/>
+              <a:t>Used by IT department to build applications</a:t>
+            </a:r>
+            <a:endParaRPr lang="en-PH" sz="1600" dirty="0"/>
+          </a:p>
+        </p:txBody>
+      </p:sp>
+      <p:sp>
+        <p:nvSpPr>
+          <p:cNvPr id="6" name="Rounded Rectangle 5"/>
+          <p:cNvSpPr/>
+          <p:nvPr/>
+        </p:nvSpPr>
+        <p:spPr>
+          <a:xfrm>
+            <a:off x="1452111" y="4445487"/>
+            <a:ext cx="2820838" cy="1483743"/>
+          </a:xfrm>
+          <a:prstGeom prst="roundRect">
+            <a:avLst/>
+          </a:prstGeom>
+          <a:solidFill>
+            <a:schemeClr val="tx1"/>
+          </a:solidFill>
+          <a:effectLst>
+            <a:outerShdw blurRad="50800" dist="38100" algn="l" rotWithShape="0">
+              <a:prstClr val="black">
+                <a:alpha val="40000"/>
+              </a:prstClr>
+            </a:outerShdw>
+          </a:effectLst>
+        </p:spPr>
+        <p:style>
+          <a:lnRef idx="1">
+            <a:schemeClr val="accent4"/>
+          </a:lnRef>
+          <a:fillRef idx="3">
+            <a:schemeClr val="accent4"/>
+          </a:fillRef>
+          <a:effectRef idx="2">
+            <a:schemeClr val="accent4"/>
+          </a:effectRef>
+          <a:fontRef idx="minor">
+            <a:schemeClr val="lt1"/>
+          </a:fontRef>
+        </p:style>
+        <p:txBody>
+          <a:bodyPr rtlCol="0" anchor="ctr"/>
+          <a:lstStyle/>
+          <a:p>
+            <a:pPr algn="ctr"/>
+            <a:r>
+              <a:rPr lang="en-AU" dirty="0" smtClean="0"/>
+              <a:t>Infrastructure As A Service</a:t>
+            </a:r>
+            <a:endParaRPr lang="en-PH" dirty="0"/>
+          </a:p>
+        </p:txBody>
+      </p:sp>
+      <p:sp>
+        <p:nvSpPr>
+          <p:cNvPr id="7" name="TextBox 6"/>
+          <p:cNvSpPr txBox="1"/>
+          <p:nvPr/>
+        </p:nvSpPr>
+        <p:spPr>
+          <a:xfrm>
+            <a:off x="4790534" y="4771859"/>
+            <a:ext cx="4074257" cy="830997"/>
+          </a:xfrm>
+          <a:prstGeom prst="rect">
+            <a:avLst/>
+          </a:prstGeom>
+          <a:noFill/>
+        </p:spPr>
+        <p:txBody>
+          <a:bodyPr wrap="none" rtlCol="0">
+            <a:spAutoFit/>
+          </a:bodyPr>
+          <a:lstStyle/>
+          <a:p>
+            <a:r>
+              <a:rPr lang="en-AU" sz="1600" dirty="0" smtClean="0"/>
+              <a:t>Base infrastructure</a:t>
+            </a:r>
+          </a:p>
+          <a:p>
+            <a:r>
+              <a:rPr lang="en-AU" sz="1600" dirty="0" smtClean="0"/>
+              <a:t>Limited vendor support</a:t>
+            </a:r>
+          </a:p>
+          <a:p>
+            <a:r>
+              <a:rPr lang="en-AU" sz="1600" dirty="0" smtClean="0"/>
+              <a:t>Skilled IT department needed to make use of it</a:t>
+            </a:r>
+            <a:endParaRPr lang="en-PH" sz="1600" dirty="0"/>
+          </a:p>
+        </p:txBody>
+      </p:sp>
+      <p:sp>
+        <p:nvSpPr>
+          <p:cNvPr id="8" name="TextBox 7"/>
+          <p:cNvSpPr txBox="1"/>
+          <p:nvPr/>
+        </p:nvSpPr>
+        <p:spPr>
+          <a:xfrm>
+            <a:off x="7365573" y="6490759"/>
+            <a:ext cx="1507144" cy="253916"/>
+          </a:xfrm>
+          <a:prstGeom prst="rect">
+            <a:avLst/>
+          </a:prstGeom>
+          <a:noFill/>
+        </p:spPr>
+        <p:txBody>
+          <a:bodyPr wrap="none" rtlCol="0">
+            <a:spAutoFit/>
+          </a:bodyPr>
+          <a:lstStyle/>
+          <a:p>
+            <a:r>
+              <a:rPr lang="en-AU" sz="1050" dirty="0" smtClean="0"/>
+              <a:t>© 17 Ways Pty Ltd 2015</a:t>
+            </a:r>
+            <a:endParaRPr lang="en-PH" sz="1050" dirty="0"/>
+          </a:p>
+        </p:txBody>
+      </p:sp>
+    </p:spTree>
+    <p:extLst>
+      <p:ext uri="{BB962C8B-B14F-4D97-AF65-F5344CB8AC3E}">
+        <p14:creationId xmlns:p14="http://schemas.microsoft.com/office/powerpoint/2010/main" val="3950396478"/>
+      </p:ext>
+    </p:extLst>
+  </p:cSld>
+  <p:clrMapOvr>
+    <a:masterClrMapping/>
+  </p:clrMapOvr>
+</p:sld>
+</file>
+
+<file path=ppt/slides/slide6.xml><?xml version="1.0" encoding="utf-8"?>
+<p:sld xmlns:a="http://schemas.openxmlformats.org/drawingml/2006/main" xmlns:r="http://schemas.openxmlformats.org/officeDocument/2006/relationships" xmlns:p="http://schemas.openxmlformats.org/presentationml/2006/main">
+  <p:cSld>
+    <p:spTree>
+      <p:nvGrpSpPr>
+        <p:cNvPr id="1" name=""/>
+        <p:cNvGrpSpPr/>
+        <p:nvPr/>
+      </p:nvGrpSpPr>
+      <p:grpSpPr>
+        <a:xfrm>
+          <a:off x="0" y="0"/>
+          <a:ext cx="0" cy="0"/>
+          <a:chOff x="0" y="0"/>
+          <a:chExt cx="0" cy="0"/>
+        </a:xfrm>
+      </p:grpSpPr>
+      <p:pic>
+        <p:nvPicPr>
+          <p:cNvPr id="3" name="Picture 2"/>
+          <p:cNvPicPr>
+            <a:picLocks noChangeAspect="1"/>
+          </p:cNvPicPr>
+          <p:nvPr/>
+        </p:nvPicPr>
+        <p:blipFill>
+          <a:blip r:embed="rId2"/>
+          <a:stretch>
+            <a:fillRect/>
+          </a:stretch>
+        </p:blipFill>
+        <p:spPr>
+          <a:xfrm>
+            <a:off x="327804" y="241081"/>
+            <a:ext cx="3534498" cy="2124459"/>
+          </a:xfrm>
+          <a:prstGeom prst="rect">
+            <a:avLst/>
+          </a:prstGeom>
+        </p:spPr>
+      </p:pic>
+      <p:pic>
+        <p:nvPicPr>
+          <p:cNvPr id="4" name="Picture 3"/>
+          <p:cNvPicPr>
+            <a:picLocks noChangeAspect="1"/>
+          </p:cNvPicPr>
+          <p:nvPr/>
+        </p:nvPicPr>
+        <p:blipFill>
+          <a:blip r:embed="rId3"/>
+          <a:stretch>
+            <a:fillRect/>
+          </a:stretch>
+        </p:blipFill>
+        <p:spPr>
+          <a:xfrm>
+            <a:off x="327803" y="2554656"/>
+            <a:ext cx="3534499" cy="2124460"/>
+          </a:xfrm>
+          <a:prstGeom prst="rect">
+            <a:avLst/>
+          </a:prstGeom>
+        </p:spPr>
+      </p:pic>
+      <p:pic>
+        <p:nvPicPr>
+          <p:cNvPr id="5" name="Picture 4"/>
+          <p:cNvPicPr>
+            <a:picLocks noChangeAspect="1"/>
+          </p:cNvPicPr>
+          <p:nvPr/>
+        </p:nvPicPr>
+        <p:blipFill>
+          <a:blip r:embed="rId4"/>
+          <a:stretch>
+            <a:fillRect/>
+          </a:stretch>
+        </p:blipFill>
+        <p:spPr>
+          <a:xfrm>
+            <a:off x="4194769" y="241081"/>
+            <a:ext cx="3534499" cy="2124460"/>
+          </a:xfrm>
+          <a:prstGeom prst="rect">
+            <a:avLst/>
+          </a:prstGeom>
+        </p:spPr>
+      </p:pic>
+      <p:pic>
+        <p:nvPicPr>
+          <p:cNvPr id="9" name="Picture 8"/>
+          <p:cNvPicPr>
+            <a:picLocks noChangeAspect="1"/>
+          </p:cNvPicPr>
+          <p:nvPr/>
+        </p:nvPicPr>
+        <p:blipFill>
+          <a:blip r:embed="rId5"/>
+          <a:stretch>
+            <a:fillRect/>
+          </a:stretch>
+        </p:blipFill>
+        <p:spPr>
+          <a:xfrm>
+            <a:off x="4194769" y="2543961"/>
+            <a:ext cx="3534499" cy="2120700"/>
+          </a:xfrm>
+          <a:prstGeom prst="rect">
+            <a:avLst/>
+          </a:prstGeom>
+        </p:spPr>
+      </p:pic>
+      <p:sp>
+        <p:nvSpPr>
+          <p:cNvPr id="10" name="TextBox 9"/>
+          <p:cNvSpPr txBox="1"/>
+          <p:nvPr/>
+        </p:nvSpPr>
+        <p:spPr>
+          <a:xfrm>
+            <a:off x="327803" y="5003321"/>
+            <a:ext cx="7983596" cy="830997"/>
+          </a:xfrm>
+          <a:prstGeom prst="rect">
+            <a:avLst/>
+          </a:prstGeom>
+          <a:noFill/>
+        </p:spPr>
+        <p:txBody>
+          <a:bodyPr wrap="none" rtlCol="0">
+            <a:spAutoFit/>
+          </a:bodyPr>
+          <a:lstStyle/>
+          <a:p>
+            <a:r>
+              <a:rPr lang="en-AU" sz="2400" dirty="0" smtClean="0"/>
+              <a:t>20-25% of IT Budget going into Cloud</a:t>
+            </a:r>
+          </a:p>
+          <a:p>
+            <a:r>
+              <a:rPr lang="en-AU" sz="2400" dirty="0" smtClean="0"/>
+              <a:t>$305M spent on Public Cloud by Australian Companies in 2014</a:t>
+            </a:r>
+            <a:endParaRPr lang="en-PH" sz="2400" dirty="0"/>
+          </a:p>
+        </p:txBody>
+      </p:sp>
+      <p:sp>
+        <p:nvSpPr>
+          <p:cNvPr id="11" name="TextBox 10"/>
+          <p:cNvSpPr txBox="1"/>
+          <p:nvPr/>
+        </p:nvSpPr>
+        <p:spPr>
+          <a:xfrm>
+            <a:off x="7365573" y="6490759"/>
+            <a:ext cx="1507144" cy="253916"/>
+          </a:xfrm>
+          <a:prstGeom prst="rect">
+            <a:avLst/>
+          </a:prstGeom>
+          <a:noFill/>
+        </p:spPr>
+        <p:txBody>
+          <a:bodyPr wrap="none" rtlCol="0">
+            <a:spAutoFit/>
+          </a:bodyPr>
+          <a:lstStyle/>
+          <a:p>
+            <a:r>
+              <a:rPr lang="en-AU" sz="1050" dirty="0" smtClean="0"/>
+              <a:t>© 17 Ways Pty Ltd 2015</a:t>
+            </a:r>
+            <a:endParaRPr lang="en-PH" sz="1050" dirty="0"/>
+          </a:p>
+        </p:txBody>
+      </p:sp>
+    </p:spTree>
+    <p:extLst>
+      <p:ext uri="{BB962C8B-B14F-4D97-AF65-F5344CB8AC3E}">
+        <p14:creationId xmlns:p14="http://schemas.microsoft.com/office/powerpoint/2010/main" val="559437536"/>
+      </p:ext>
+    </p:extLst>
+  </p:cSld>
+  <p:clrMapOvr>
+    <a:masterClrMapping/>
+  </p:clrMapOvr>
+</p:sld>
+</file>
+
+<file path=ppt/slides/slide7.xml><?xml version="1.0" encoding="utf-8"?>
+<p:sld xmlns:a="http://schemas.openxmlformats.org/drawingml/2006/main" xmlns:r="http://schemas.openxmlformats.org/officeDocument/2006/relationships" xmlns:p="http://schemas.openxmlformats.org/presentationml/2006/main">
+  <p:cSld>
+    <p:spTree>
+      <p:nvGrpSpPr>
+        <p:cNvPr id="1" name=""/>
+        <p:cNvGrpSpPr/>
+        <p:nvPr/>
+      </p:nvGrpSpPr>
+      <p:grpSpPr>
+        <a:xfrm>
+          <a:off x="0" y="0"/>
+          <a:ext cx="0" cy="0"/>
+          <a:chOff x="0" y="0"/>
+          <a:chExt cx="0" cy="0"/>
+        </a:xfrm>
+      </p:grpSpPr>
+      <p:sp>
+        <p:nvSpPr>
+          <p:cNvPr id="6" name="Rounded Rectangle 5"/>
+          <p:cNvSpPr/>
+          <p:nvPr/>
+        </p:nvSpPr>
+        <p:spPr>
+          <a:xfrm>
+            <a:off x="2415396" y="4157932"/>
+            <a:ext cx="3321170" cy="2415396"/>
+          </a:xfrm>
+          <a:prstGeom prst="roundRect">
+            <a:avLst/>
+          </a:prstGeom>
+        </p:spPr>
+        <p:style>
+          <a:lnRef idx="2">
+            <a:schemeClr val="accent4"/>
+          </a:lnRef>
+          <a:fillRef idx="1">
+            <a:schemeClr val="lt1"/>
+          </a:fillRef>
+          <a:effectRef idx="0">
+            <a:schemeClr val="accent4"/>
+          </a:effectRef>
+          <a:fontRef idx="minor">
+            <a:schemeClr val="dk1"/>
+          </a:fontRef>
+        </p:style>
+        <p:txBody>
+          <a:bodyPr rtlCol="0" anchor="ctr"/>
+          <a:lstStyle/>
+          <a:p>
+            <a:pPr algn="ctr"/>
+            <a:endParaRPr lang="en-PH"/>
+          </a:p>
+        </p:txBody>
+      </p:sp>
+      <p:sp>
+        <p:nvSpPr>
+          <p:cNvPr id="2" name="Cloud 1"/>
+          <p:cNvSpPr/>
+          <p:nvPr/>
+        </p:nvSpPr>
+        <p:spPr>
+          <a:xfrm>
+            <a:off x="2855344" y="1380226"/>
+            <a:ext cx="2881222" cy="1285336"/>
+          </a:xfrm>
+          <a:prstGeom prst="cloud">
+            <a:avLst/>
+          </a:prstGeom>
+          <a:solidFill>
+            <a:schemeClr val="accent3"/>
+          </a:solidFill>
+        </p:spPr>
+        <p:style>
+          <a:lnRef idx="1">
+            <a:schemeClr val="accent1"/>
+          </a:lnRef>
+          <a:fillRef idx="3">
+            <a:schemeClr val="accent1"/>
+          </a:fillRef>
+          <a:effectRef idx="2">
+            <a:schemeClr val="accent1"/>
+          </a:effectRef>
+          <a:fontRef idx="minor">
+            <a:schemeClr val="lt1"/>
+          </a:fontRef>
+        </p:style>
+        <p:txBody>
+          <a:bodyPr rtlCol="0" anchor="ctr"/>
+          <a:lstStyle/>
+          <a:p>
+            <a:pPr algn="ctr"/>
+            <a:endParaRPr lang="en-PH"/>
+          </a:p>
+        </p:txBody>
+      </p:sp>
+      <p:sp>
+        <p:nvSpPr>
+          <p:cNvPr id="3" name="Cube 2"/>
+          <p:cNvSpPr/>
+          <p:nvPr/>
+        </p:nvSpPr>
+        <p:spPr>
+          <a:xfrm>
+            <a:off x="3942272" y="1846052"/>
+            <a:ext cx="603849" cy="461513"/>
+          </a:xfrm>
+          <a:prstGeom prst="cube">
+            <a:avLst/>
+          </a:prstGeom>
+        </p:spPr>
+        <p:style>
+          <a:lnRef idx="1">
+            <a:schemeClr val="accent1"/>
+          </a:lnRef>
+          <a:fillRef idx="3">
+            <a:schemeClr val="accent1"/>
+          </a:fillRef>
+          <a:effectRef idx="2">
+            <a:schemeClr val="accent1"/>
+          </a:effectRef>
+          <a:fontRef idx="minor">
+            <a:schemeClr val="lt1"/>
+          </a:fontRef>
+        </p:style>
+        <p:txBody>
+          <a:bodyPr rtlCol="0" anchor="ctr"/>
+          <a:lstStyle/>
+          <a:p>
+            <a:pPr algn="ctr"/>
+            <a:r>
+              <a:rPr lang="en-AU" sz="1200" dirty="0" smtClean="0"/>
+              <a:t>Your VM</a:t>
+            </a:r>
+            <a:endParaRPr lang="en-PH" sz="1200" dirty="0"/>
+          </a:p>
+        </p:txBody>
+      </p:sp>
+      <p:sp>
+        <p:nvSpPr>
+          <p:cNvPr id="4" name="TextBox 3"/>
+          <p:cNvSpPr txBox="1"/>
+          <p:nvPr/>
+        </p:nvSpPr>
+        <p:spPr>
+          <a:xfrm>
+            <a:off x="3476163" y="1005226"/>
+            <a:ext cx="1569725" cy="369332"/>
+          </a:xfrm>
+          <a:prstGeom prst="rect">
+            <a:avLst/>
+          </a:prstGeom>
+          <a:noFill/>
+        </p:spPr>
+        <p:txBody>
+          <a:bodyPr wrap="none" rtlCol="0">
+            <a:spAutoFit/>
+          </a:bodyPr>
+          <a:lstStyle/>
+          <a:p>
+            <a:r>
+              <a:rPr lang="en-AU" dirty="0" smtClean="0"/>
+              <a:t>Cloud Provider</a:t>
+            </a:r>
+            <a:endParaRPr lang="en-PH" dirty="0"/>
+          </a:p>
+        </p:txBody>
+      </p:sp>
+      <p:pic>
+        <p:nvPicPr>
+          <p:cNvPr id="5" name="Picture 4"/>
+          <p:cNvPicPr>
+            <a:picLocks noChangeAspect="1"/>
+          </p:cNvPicPr>
+          <p:nvPr/>
+        </p:nvPicPr>
+        <p:blipFill>
+          <a:blip r:embed="rId2">
+            <a:extLst>
+              <a:ext uri="{28A0092B-C50C-407E-A947-70E740481C1C}">
+                <a14:useLocalDpi xmlns:a14="http://schemas.microsoft.com/office/drawing/2010/main" val="0"/>
+              </a:ext>
+            </a:extLst>
+          </a:blip>
+          <a:stretch>
+            <a:fillRect/>
+          </a:stretch>
+        </p:blipFill>
+        <p:spPr>
+          <a:xfrm>
+            <a:off x="3673775" y="4961625"/>
+            <a:ext cx="975863" cy="1301151"/>
+          </a:xfrm>
+          <a:prstGeom prst="rect">
+            <a:avLst/>
+          </a:prstGeom>
+        </p:spPr>
+      </p:pic>
+      <p:cxnSp>
+        <p:nvCxnSpPr>
+          <p:cNvPr id="8" name="Straight Arrow Connector 7"/>
+          <p:cNvCxnSpPr/>
+          <p:nvPr/>
+        </p:nvCxnSpPr>
+        <p:spPr>
+          <a:xfrm flipV="1">
+            <a:off x="4161706" y="2424023"/>
+            <a:ext cx="134249" cy="2467154"/>
+          </a:xfrm>
+          <a:prstGeom prst="straightConnector1">
+            <a:avLst/>
+          </a:prstGeom>
+          <a:ln>
+            <a:tailEnd type="triangle"/>
+          </a:ln>
+        </p:spPr>
+        <p:style>
+          <a:lnRef idx="3">
+            <a:schemeClr val="dk1"/>
+          </a:lnRef>
+          <a:fillRef idx="0">
+            <a:schemeClr val="dk1"/>
+          </a:fillRef>
+          <a:effectRef idx="2">
+            <a:schemeClr val="dk1"/>
+          </a:effectRef>
+          <a:fontRef idx="minor">
+            <a:schemeClr val="tx1"/>
+          </a:fontRef>
+        </p:style>
+      </p:cxnSp>
+      <p:sp>
+        <p:nvSpPr>
+          <p:cNvPr id="9" name="Cube 8"/>
+          <p:cNvSpPr/>
+          <p:nvPr/>
+        </p:nvSpPr>
+        <p:spPr>
+          <a:xfrm>
+            <a:off x="4743963" y="1578633"/>
+            <a:ext cx="603849" cy="461513"/>
+          </a:xfrm>
+          <a:prstGeom prst="cube">
+            <a:avLst/>
+          </a:prstGeom>
+          <a:solidFill>
+            <a:schemeClr val="bg2"/>
+          </a:solidFill>
+          <a:ln>
+            <a:prstDash val="lgDash"/>
+          </a:ln>
+        </p:spPr>
+        <p:style>
+          <a:lnRef idx="1">
+            <a:schemeClr val="accent1"/>
+          </a:lnRef>
+          <a:fillRef idx="3">
+            <a:schemeClr val="accent1"/>
+          </a:fillRef>
+          <a:effectRef idx="2">
+            <a:schemeClr val="accent1"/>
+          </a:effectRef>
+          <a:fontRef idx="minor">
+            <a:schemeClr val="lt1"/>
+          </a:fontRef>
+        </p:style>
+        <p:txBody>
+          <a:bodyPr rtlCol="0" anchor="ctr"/>
+          <a:lstStyle/>
+          <a:p>
+            <a:pPr algn="ctr"/>
+            <a:r>
+              <a:rPr lang="en-AU" sz="1000" dirty="0" smtClean="0">
+                <a:solidFill>
+                  <a:schemeClr val="tx1">
+                    <a:lumMod val="65000"/>
+                    <a:lumOff val="35000"/>
+                  </a:schemeClr>
+                </a:solidFill>
+              </a:rPr>
+              <a:t>Other VM</a:t>
+            </a:r>
+            <a:endParaRPr lang="en-PH" sz="1000" dirty="0">
+              <a:solidFill>
+                <a:schemeClr val="tx1">
+                  <a:lumMod val="65000"/>
+                  <a:lumOff val="35000"/>
+                </a:schemeClr>
+              </a:solidFill>
+            </a:endParaRPr>
+          </a:p>
+        </p:txBody>
+      </p:sp>
+      <p:sp>
+        <p:nvSpPr>
+          <p:cNvPr id="10" name="TextBox 9"/>
+          <p:cNvSpPr txBox="1"/>
+          <p:nvPr/>
+        </p:nvSpPr>
+        <p:spPr>
+          <a:xfrm>
+            <a:off x="2639682" y="4135564"/>
+            <a:ext cx="1127488" cy="369332"/>
+          </a:xfrm>
+          <a:prstGeom prst="rect">
+            <a:avLst/>
+          </a:prstGeom>
+          <a:noFill/>
+        </p:spPr>
+        <p:txBody>
+          <a:bodyPr wrap="none" rtlCol="0">
+            <a:spAutoFit/>
+          </a:bodyPr>
+          <a:lstStyle/>
+          <a:p>
+            <a:r>
+              <a:rPr lang="en-AU" dirty="0" smtClean="0"/>
+              <a:t>Corporate</a:t>
+            </a:r>
+            <a:endParaRPr lang="en-PH" dirty="0"/>
+          </a:p>
+        </p:txBody>
+      </p:sp>
+      <p:sp>
+        <p:nvSpPr>
+          <p:cNvPr id="11" name="TextBox 10"/>
+          <p:cNvSpPr txBox="1"/>
+          <p:nvPr/>
+        </p:nvSpPr>
+        <p:spPr>
+          <a:xfrm>
+            <a:off x="7365573" y="6490759"/>
+            <a:ext cx="1507144" cy="253916"/>
+          </a:xfrm>
+          <a:prstGeom prst="rect">
+            <a:avLst/>
+          </a:prstGeom>
+          <a:noFill/>
+        </p:spPr>
+        <p:txBody>
+          <a:bodyPr wrap="none" rtlCol="0">
+            <a:spAutoFit/>
+          </a:bodyPr>
+          <a:lstStyle/>
+          <a:p>
+            <a:r>
+              <a:rPr lang="en-AU" sz="1050" dirty="0" smtClean="0"/>
+              <a:t>© 17 Ways Pty Ltd 2015</a:t>
+            </a:r>
+            <a:endParaRPr lang="en-PH" sz="1050" dirty="0"/>
+          </a:p>
+        </p:txBody>
+      </p:sp>
+    </p:spTree>
+    <p:extLst>
+      <p:ext uri="{BB962C8B-B14F-4D97-AF65-F5344CB8AC3E}">
+        <p14:creationId xmlns:p14="http://schemas.microsoft.com/office/powerpoint/2010/main" val="2518848114"/>
+      </p:ext>
+    </p:extLst>
+  </p:cSld>
+  <p:clrMapOvr>
+    <a:masterClrMapping/>
+  </p:clrMapOvr>
+</p:sld>
+</file>
+
+<file path=ppt/slides/slide8.xml><?xml version="1.0" encoding="utf-8"?>
+<p:sld xmlns:a="http://schemas.openxmlformats.org/drawingml/2006/main" xmlns:r="http://schemas.openxmlformats.org/officeDocument/2006/relationships" xmlns:p="http://schemas.openxmlformats.org/presentationml/2006/main">
+  <p:cSld>
+    <p:spTree>
+      <p:nvGrpSpPr>
+        <p:cNvPr id="1" name=""/>
+        <p:cNvGrpSpPr/>
+        <p:nvPr/>
+      </p:nvGrpSpPr>
+      <p:grpSpPr>
+        <a:xfrm>
+          <a:off x="0" y="0"/>
+          <a:ext cx="0" cy="0"/>
+          <a:chOff x="0" y="0"/>
+          <a:chExt cx="0" cy="0"/>
+        </a:xfrm>
+      </p:grpSpPr>
+      <p:sp>
+        <p:nvSpPr>
+          <p:cNvPr id="6" name="Rounded Rectangle 5"/>
+          <p:cNvSpPr/>
+          <p:nvPr/>
+        </p:nvSpPr>
+        <p:spPr>
+          <a:xfrm>
+            <a:off x="2415396" y="4157932"/>
+            <a:ext cx="3321170" cy="2415396"/>
+          </a:xfrm>
+          <a:prstGeom prst="roundRect">
+            <a:avLst/>
+          </a:prstGeom>
+        </p:spPr>
+        <p:style>
+          <a:lnRef idx="2">
+            <a:schemeClr val="accent4"/>
+          </a:lnRef>
+          <a:fillRef idx="1">
+            <a:schemeClr val="lt1"/>
+          </a:fillRef>
+          <a:effectRef idx="0">
+            <a:schemeClr val="accent4"/>
+          </a:effectRef>
+          <a:fontRef idx="minor">
+            <a:schemeClr val="dk1"/>
+          </a:fontRef>
+        </p:style>
+        <p:txBody>
+          <a:bodyPr rtlCol="0" anchor="ctr"/>
+          <a:lstStyle/>
+          <a:p>
+            <a:pPr algn="ctr"/>
+            <a:endParaRPr lang="en-PH"/>
+          </a:p>
+        </p:txBody>
+      </p:sp>
+      <p:pic>
+        <p:nvPicPr>
+          <p:cNvPr id="5" name="Picture 4"/>
+          <p:cNvPicPr>
+            <a:picLocks noChangeAspect="1"/>
+          </p:cNvPicPr>
+          <p:nvPr/>
+        </p:nvPicPr>
+        <p:blipFill>
+          <a:blip r:embed="rId2">
+            <a:extLst>
+              <a:ext uri="{28A0092B-C50C-407E-A947-70E740481C1C}">
+                <a14:useLocalDpi xmlns:a14="http://schemas.microsoft.com/office/drawing/2010/main" val="0"/>
+              </a:ext>
+            </a:extLst>
+          </a:blip>
+          <a:stretch>
+            <a:fillRect/>
+          </a:stretch>
+        </p:blipFill>
+        <p:spPr>
+          <a:xfrm>
+            <a:off x="3673775" y="4961625"/>
+            <a:ext cx="975863" cy="1301151"/>
+          </a:xfrm>
+          <a:prstGeom prst="rect">
+            <a:avLst/>
+          </a:prstGeom>
+        </p:spPr>
+      </p:pic>
+      <p:sp>
+        <p:nvSpPr>
+          <p:cNvPr id="10" name="TextBox 9"/>
+          <p:cNvSpPr txBox="1"/>
+          <p:nvPr/>
+        </p:nvSpPr>
+        <p:spPr>
+          <a:xfrm>
+            <a:off x="2639682" y="4135564"/>
+            <a:ext cx="1127488" cy="369332"/>
+          </a:xfrm>
+          <a:prstGeom prst="rect">
+            <a:avLst/>
+          </a:prstGeom>
+          <a:noFill/>
+        </p:spPr>
+        <p:txBody>
+          <a:bodyPr wrap="none" rtlCol="0">
+            <a:spAutoFit/>
+          </a:bodyPr>
+          <a:lstStyle/>
+          <a:p>
+            <a:r>
+              <a:rPr lang="en-AU" dirty="0" smtClean="0"/>
+              <a:t>Corporate</a:t>
+            </a:r>
+            <a:endParaRPr lang="en-PH" dirty="0"/>
+          </a:p>
+        </p:txBody>
+      </p:sp>
+      <p:sp>
+        <p:nvSpPr>
+          <p:cNvPr id="11" name="Cube 10"/>
+          <p:cNvSpPr/>
+          <p:nvPr/>
+        </p:nvSpPr>
+        <p:spPr>
+          <a:xfrm>
+            <a:off x="4909631" y="4405221"/>
+            <a:ext cx="603849" cy="461513"/>
+          </a:xfrm>
+          <a:prstGeom prst="cube">
+            <a:avLst/>
+          </a:prstGeom>
+        </p:spPr>
+        <p:style>
+          <a:lnRef idx="1">
+            <a:schemeClr val="accent1"/>
+          </a:lnRef>
+          <a:fillRef idx="3">
+            <a:schemeClr val="accent1"/>
+          </a:fillRef>
+          <a:effectRef idx="2">
+            <a:schemeClr val="accent1"/>
+          </a:effectRef>
+          <a:fontRef idx="minor">
+            <a:schemeClr val="lt1"/>
+          </a:fontRef>
+        </p:style>
+        <p:txBody>
+          <a:bodyPr rtlCol="0" anchor="ctr"/>
+          <a:lstStyle/>
+          <a:p>
+            <a:pPr algn="ctr"/>
+            <a:r>
+              <a:rPr lang="en-AU" sz="1200" dirty="0" smtClean="0"/>
+              <a:t>Your VM</a:t>
+            </a:r>
+            <a:endParaRPr lang="en-PH" sz="1200" dirty="0"/>
+          </a:p>
+        </p:txBody>
+      </p:sp>
+      <p:cxnSp>
+        <p:nvCxnSpPr>
+          <p:cNvPr id="12" name="Straight Arrow Connector 11"/>
+          <p:cNvCxnSpPr/>
+          <p:nvPr/>
+        </p:nvCxnSpPr>
+        <p:spPr>
+          <a:xfrm flipV="1">
+            <a:off x="4314106" y="4796287"/>
+            <a:ext cx="458188" cy="247290"/>
+          </a:xfrm>
+          <a:prstGeom prst="straightConnector1">
+            <a:avLst/>
+          </a:prstGeom>
+          <a:ln>
+            <a:tailEnd type="triangle"/>
+          </a:ln>
+        </p:spPr>
+        <p:style>
+          <a:lnRef idx="3">
+            <a:schemeClr val="dk1"/>
+          </a:lnRef>
+          <a:fillRef idx="0">
+            <a:schemeClr val="dk1"/>
+          </a:fillRef>
+          <a:effectRef idx="2">
+            <a:schemeClr val="dk1"/>
+          </a:effectRef>
+          <a:fontRef idx="minor">
+            <a:schemeClr val="tx1"/>
+          </a:fontRef>
+        </p:style>
+      </p:cxnSp>
+      <p:sp>
+        <p:nvSpPr>
+          <p:cNvPr id="20" name="TextBox 19"/>
+          <p:cNvSpPr txBox="1"/>
+          <p:nvPr/>
+        </p:nvSpPr>
+        <p:spPr>
+          <a:xfrm>
+            <a:off x="7365573" y="6490759"/>
+            <a:ext cx="1507144" cy="253916"/>
+          </a:xfrm>
+          <a:prstGeom prst="rect">
+            <a:avLst/>
+          </a:prstGeom>
+          <a:noFill/>
+        </p:spPr>
+        <p:txBody>
+          <a:bodyPr wrap="none" rtlCol="0">
+            <a:spAutoFit/>
+          </a:bodyPr>
+          <a:lstStyle/>
+          <a:p>
+            <a:r>
+              <a:rPr lang="en-AU" sz="1050" dirty="0" smtClean="0"/>
+              <a:t>© 17 Ways Pty Ltd 2015</a:t>
+            </a:r>
+            <a:endParaRPr lang="en-PH" sz="1050" dirty="0"/>
+          </a:p>
+        </p:txBody>
+      </p:sp>
+    </p:spTree>
+    <p:extLst>
+      <p:ext uri="{BB962C8B-B14F-4D97-AF65-F5344CB8AC3E}">
+        <p14:creationId xmlns:p14="http://schemas.microsoft.com/office/powerpoint/2010/main" val="619829301"/>
+      </p:ext>
+    </p:extLst>
+  </p:cSld>
+  <p:clrMapOvr>
+    <a:masterClrMapping/>
+  </p:clrMapOvr>
+</p:sld>
+</file>
+
+<file path=ppt/slides/slide9.xml><?xml version="1.0" encoding="utf-8"?>
+<p:sld xmlns:a="http://schemas.openxmlformats.org/drawingml/2006/main" xmlns:r="http://schemas.openxmlformats.org/officeDocument/2006/relationships" xmlns:p="http://schemas.openxmlformats.org/presentationml/2006/main">
+  <p:cSld>
+    <p:spTree>
+      <p:nvGrpSpPr>
+        <p:cNvPr id="1" name=""/>
+        <p:cNvGrpSpPr/>
+        <p:nvPr/>
+      </p:nvGrpSpPr>
+      <p:grpSpPr>
+        <a:xfrm>
+          <a:off x="0" y="0"/>
+          <a:ext cx="0" cy="0"/>
+          <a:chOff x="0" y="0"/>
+          <a:chExt cx="0" cy="0"/>
+        </a:xfrm>
+      </p:grpSpPr>
+      <p:sp>
+        <p:nvSpPr>
+          <p:cNvPr id="6" name="Rounded Rectangle 5"/>
+          <p:cNvSpPr/>
+          <p:nvPr/>
+        </p:nvSpPr>
+        <p:spPr>
+          <a:xfrm>
+            <a:off x="2415396" y="4157932"/>
+            <a:ext cx="3321170" cy="2415396"/>
+          </a:xfrm>
+          <a:prstGeom prst="roundRect">
+            <a:avLst/>
+          </a:prstGeom>
+        </p:spPr>
+        <p:style>
+          <a:lnRef idx="2">
+            <a:schemeClr val="accent4"/>
+          </a:lnRef>
+          <a:fillRef idx="1">
+            <a:schemeClr val="lt1"/>
+          </a:fillRef>
+          <a:effectRef idx="0">
+            <a:schemeClr val="accent4"/>
+          </a:effectRef>
+          <a:fontRef idx="minor">
+            <a:schemeClr val="dk1"/>
+          </a:fontRef>
+        </p:style>
+        <p:txBody>
+          <a:bodyPr rtlCol="0" anchor="ctr"/>
+          <a:lstStyle/>
+          <a:p>
+            <a:pPr algn="ctr"/>
+            <a:endParaRPr lang="en-PH"/>
+          </a:p>
+        </p:txBody>
+      </p:sp>
+      <p:sp>
+        <p:nvSpPr>
+          <p:cNvPr id="2" name="Cloud 1"/>
+          <p:cNvSpPr/>
+          <p:nvPr/>
+        </p:nvSpPr>
+        <p:spPr>
+          <a:xfrm>
+            <a:off x="2855344" y="1380226"/>
+            <a:ext cx="2881222" cy="1285336"/>
+          </a:xfrm>
+          <a:prstGeom prst="cloud">
+            <a:avLst/>
+          </a:prstGeom>
+          <a:solidFill>
+            <a:schemeClr val="accent3"/>
+          </a:solidFill>
+        </p:spPr>
+        <p:style>
+          <a:lnRef idx="1">
+            <a:schemeClr val="accent1"/>
+          </a:lnRef>
+          <a:fillRef idx="3">
+            <a:schemeClr val="accent1"/>
+          </a:fillRef>
+          <a:effectRef idx="2">
+            <a:schemeClr val="accent1"/>
+          </a:effectRef>
+          <a:fontRef idx="minor">
+            <a:schemeClr val="lt1"/>
+          </a:fontRef>
+        </p:style>
+        <p:txBody>
+          <a:bodyPr rtlCol="0" anchor="ctr"/>
+          <a:lstStyle/>
+          <a:p>
+            <a:pPr algn="ctr"/>
+            <a:endParaRPr lang="en-PH"/>
+          </a:p>
+        </p:txBody>
+      </p:sp>
+      <p:sp>
+        <p:nvSpPr>
+          <p:cNvPr id="3" name="Cube 2"/>
+          <p:cNvSpPr/>
+          <p:nvPr/>
+        </p:nvSpPr>
+        <p:spPr>
+          <a:xfrm>
+            <a:off x="3942272" y="1846052"/>
+            <a:ext cx="603849" cy="461513"/>
+          </a:xfrm>
+          <a:prstGeom prst="cube">
+            <a:avLst/>
+          </a:prstGeom>
+        </p:spPr>
+        <p:style>
+          <a:lnRef idx="1">
+            <a:schemeClr val="accent1"/>
+          </a:lnRef>
+          <a:fillRef idx="3">
+            <a:schemeClr val="accent1"/>
+          </a:fillRef>
+          <a:effectRef idx="2">
+            <a:schemeClr val="accent1"/>
+          </a:effectRef>
+          <a:fontRef idx="minor">
+            <a:schemeClr val="lt1"/>
+          </a:fontRef>
+        </p:style>
+        <p:txBody>
+          <a:bodyPr rtlCol="0" anchor="ctr"/>
+          <a:lstStyle/>
+          <a:p>
+            <a:pPr algn="ctr"/>
+            <a:r>
+              <a:rPr lang="en-AU" sz="1200" dirty="0" smtClean="0"/>
+              <a:t>Your VM</a:t>
+            </a:r>
+            <a:endParaRPr lang="en-PH" sz="1200" dirty="0"/>
+          </a:p>
+        </p:txBody>
+      </p:sp>
+      <p:sp>
+        <p:nvSpPr>
+          <p:cNvPr id="4" name="TextBox 3"/>
+          <p:cNvSpPr txBox="1"/>
+          <p:nvPr/>
+        </p:nvSpPr>
+        <p:spPr>
+          <a:xfrm>
+            <a:off x="3476163" y="1005226"/>
+            <a:ext cx="1755673" cy="369332"/>
+          </a:xfrm>
+          <a:prstGeom prst="rect">
+            <a:avLst/>
+          </a:prstGeom>
+          <a:noFill/>
+        </p:spPr>
+        <p:txBody>
+          <a:bodyPr wrap="none" rtlCol="0">
+            <a:spAutoFit/>
+          </a:bodyPr>
+          <a:lstStyle/>
+          <a:p>
+            <a:r>
+              <a:rPr lang="en-AU" dirty="0" smtClean="0"/>
+              <a:t>Cloud Provider A</a:t>
+            </a:r>
+            <a:endParaRPr lang="en-PH" dirty="0"/>
+          </a:p>
+        </p:txBody>
+      </p:sp>
+      <p:pic>
+        <p:nvPicPr>
+          <p:cNvPr id="5" name="Picture 4"/>
+          <p:cNvPicPr>
+            <a:picLocks noChangeAspect="1"/>
+          </p:cNvPicPr>
+          <p:nvPr/>
+        </p:nvPicPr>
+        <p:blipFill>
+          <a:blip r:embed="rId2">
+            <a:extLst>
+              <a:ext uri="{28A0092B-C50C-407E-A947-70E740481C1C}">
+                <a14:useLocalDpi xmlns:a14="http://schemas.microsoft.com/office/drawing/2010/main" val="0"/>
+              </a:ext>
+            </a:extLst>
+          </a:blip>
+          <a:stretch>
+            <a:fillRect/>
+          </a:stretch>
+        </p:blipFill>
+        <p:spPr>
+          <a:xfrm>
+            <a:off x="3673775" y="4961625"/>
+            <a:ext cx="975863" cy="1301151"/>
+          </a:xfrm>
+          <a:prstGeom prst="rect">
+            <a:avLst/>
+          </a:prstGeom>
+        </p:spPr>
+      </p:pic>
+      <p:cxnSp>
+        <p:nvCxnSpPr>
+          <p:cNvPr id="8" name="Straight Arrow Connector 7"/>
+          <p:cNvCxnSpPr/>
+          <p:nvPr/>
+        </p:nvCxnSpPr>
+        <p:spPr>
+          <a:xfrm flipV="1">
+            <a:off x="4161706" y="2424023"/>
+            <a:ext cx="134249" cy="2467154"/>
+          </a:xfrm>
+          <a:prstGeom prst="straightConnector1">
+            <a:avLst/>
+          </a:prstGeom>
+          <a:ln>
+            <a:tailEnd type="triangle"/>
+          </a:ln>
+        </p:spPr>
+        <p:style>
+          <a:lnRef idx="3">
+            <a:schemeClr val="dk1"/>
+          </a:lnRef>
+          <a:fillRef idx="0">
+            <a:schemeClr val="dk1"/>
+          </a:fillRef>
+          <a:effectRef idx="2">
+            <a:schemeClr val="dk1"/>
+          </a:effectRef>
+          <a:fontRef idx="minor">
+            <a:schemeClr val="tx1"/>
+          </a:fontRef>
+        </p:style>
+      </p:cxnSp>
+      <p:sp>
+        <p:nvSpPr>
+          <p:cNvPr id="9" name="Cube 8"/>
+          <p:cNvSpPr/>
+          <p:nvPr/>
+        </p:nvSpPr>
+        <p:spPr>
+          <a:xfrm>
+            <a:off x="4743963" y="1578633"/>
+            <a:ext cx="603849" cy="461513"/>
+          </a:xfrm>
+          <a:prstGeom prst="cube">
+            <a:avLst/>
+          </a:prstGeom>
+          <a:solidFill>
+            <a:schemeClr val="bg2"/>
+          </a:solidFill>
+          <a:ln>
+            <a:prstDash val="lgDash"/>
+          </a:ln>
+        </p:spPr>
+        <p:style>
+          <a:lnRef idx="1">
+            <a:schemeClr val="accent1"/>
+          </a:lnRef>
+          <a:fillRef idx="3">
+            <a:schemeClr val="accent1"/>
+          </a:fillRef>
+          <a:effectRef idx="2">
+            <a:schemeClr val="accent1"/>
+          </a:effectRef>
+          <a:fontRef idx="minor">
+            <a:schemeClr val="lt1"/>
+          </a:fontRef>
+        </p:style>
+        <p:txBody>
+          <a:bodyPr rtlCol="0" anchor="ctr"/>
+          <a:lstStyle/>
+          <a:p>
+            <a:pPr algn="ctr"/>
+            <a:r>
+              <a:rPr lang="en-AU" sz="1000" dirty="0" smtClean="0">
+                <a:solidFill>
+                  <a:schemeClr val="tx1">
+                    <a:lumMod val="65000"/>
+                    <a:lumOff val="35000"/>
+                  </a:schemeClr>
+                </a:solidFill>
+              </a:rPr>
+              <a:t>Other VM</a:t>
+            </a:r>
+            <a:endParaRPr lang="en-PH" sz="1000" dirty="0">
+              <a:solidFill>
+                <a:schemeClr val="tx1">
+                  <a:lumMod val="65000"/>
+                  <a:lumOff val="35000"/>
+                </a:schemeClr>
+              </a:solidFill>
+            </a:endParaRPr>
+          </a:p>
+        </p:txBody>
+      </p:sp>
+      <p:sp>
+        <p:nvSpPr>
+          <p:cNvPr id="10" name="TextBox 9"/>
+          <p:cNvSpPr txBox="1"/>
+          <p:nvPr/>
+        </p:nvSpPr>
+        <p:spPr>
+          <a:xfrm>
+            <a:off x="2639682" y="4135564"/>
+            <a:ext cx="1127488" cy="369332"/>
+          </a:xfrm>
+          <a:prstGeom prst="rect">
+            <a:avLst/>
+          </a:prstGeom>
+          <a:noFill/>
+        </p:spPr>
+        <p:txBody>
+          <a:bodyPr wrap="none" rtlCol="0">
+            <a:spAutoFit/>
+          </a:bodyPr>
+          <a:lstStyle/>
+          <a:p>
+            <a:r>
+              <a:rPr lang="en-AU" dirty="0" smtClean="0"/>
+              <a:t>Corporate</a:t>
+            </a:r>
+            <a:endParaRPr lang="en-PH" dirty="0"/>
+          </a:p>
+        </p:txBody>
+      </p:sp>
+      <p:sp>
+        <p:nvSpPr>
+          <p:cNvPr id="11" name="Cube 10"/>
+          <p:cNvSpPr/>
+          <p:nvPr/>
+        </p:nvSpPr>
+        <p:spPr>
+          <a:xfrm>
+            <a:off x="4909631" y="4405221"/>
+            <a:ext cx="603849" cy="461513"/>
+          </a:xfrm>
+          <a:prstGeom prst="cube">
+            <a:avLst/>
+          </a:prstGeom>
+        </p:spPr>
+        <p:style>
+          <a:lnRef idx="1">
+            <a:schemeClr val="accent1"/>
+          </a:lnRef>
+          <a:fillRef idx="3">
+            <a:schemeClr val="accent1"/>
+          </a:fillRef>
+          <a:effectRef idx="2">
+            <a:schemeClr val="accent1"/>
+          </a:effectRef>
+          <a:fontRef idx="minor">
+            <a:schemeClr val="lt1"/>
+          </a:fontRef>
+        </p:style>
+        <p:txBody>
+          <a:bodyPr rtlCol="0" anchor="ctr"/>
+          <a:lstStyle/>
+          <a:p>
+            <a:pPr algn="ctr"/>
+            <a:r>
+              <a:rPr lang="en-AU" sz="1200" dirty="0" smtClean="0"/>
+              <a:t>Your VM</a:t>
+            </a:r>
+            <a:endParaRPr lang="en-PH" sz="1200" dirty="0"/>
+          </a:p>
+        </p:txBody>
+      </p:sp>
+      <p:cxnSp>
+        <p:nvCxnSpPr>
+          <p:cNvPr id="12" name="Straight Arrow Connector 11"/>
+          <p:cNvCxnSpPr/>
+          <p:nvPr/>
+        </p:nvCxnSpPr>
+        <p:spPr>
+          <a:xfrm flipV="1">
+            <a:off x="4314106" y="4796287"/>
+            <a:ext cx="458188" cy="247290"/>
+          </a:xfrm>
+          <a:prstGeom prst="straightConnector1">
+            <a:avLst/>
+          </a:prstGeom>
+          <a:ln>
+            <a:tailEnd type="triangle"/>
+          </a:ln>
+        </p:spPr>
+        <p:style>
+          <a:lnRef idx="3">
+            <a:schemeClr val="dk1"/>
+          </a:lnRef>
+          <a:fillRef idx="0">
+            <a:schemeClr val="dk1"/>
+          </a:fillRef>
+          <a:effectRef idx="2">
+            <a:schemeClr val="dk1"/>
+          </a:effectRef>
+          <a:fontRef idx="minor">
+            <a:schemeClr val="tx1"/>
+          </a:fontRef>
+        </p:style>
+      </p:cxnSp>
+      <p:sp>
+        <p:nvSpPr>
+          <p:cNvPr id="13" name="Cloud 12"/>
+          <p:cNvSpPr/>
+          <p:nvPr/>
+        </p:nvSpPr>
+        <p:spPr>
+          <a:xfrm>
+            <a:off x="6042265" y="1265207"/>
+            <a:ext cx="2881222" cy="1285336"/>
+          </a:xfrm>
+          <a:prstGeom prst="cloud">
+            <a:avLst/>
+          </a:prstGeom>
+          <a:solidFill>
+            <a:schemeClr val="accent3"/>
+          </a:solidFill>
+        </p:spPr>
+        <p:style>
+          <a:lnRef idx="1">
+            <a:schemeClr val="accent1"/>
+          </a:lnRef>
+          <a:fillRef idx="3">
+            <a:schemeClr val="accent1"/>
+          </a:fillRef>
+          <a:effectRef idx="2">
+            <a:schemeClr val="accent1"/>
+          </a:effectRef>
+          <a:fontRef idx="minor">
+            <a:schemeClr val="lt1"/>
+          </a:fontRef>
+        </p:style>
+        <p:txBody>
+          <a:bodyPr rtlCol="0" anchor="ctr"/>
+          <a:lstStyle/>
+          <a:p>
+            <a:pPr algn="ctr"/>
+            <a:endParaRPr lang="en-PH"/>
+          </a:p>
+        </p:txBody>
+      </p:sp>
+      <p:sp>
+        <p:nvSpPr>
+          <p:cNvPr id="14" name="Cube 13"/>
+          <p:cNvSpPr/>
+          <p:nvPr/>
+        </p:nvSpPr>
+        <p:spPr>
+          <a:xfrm>
+            <a:off x="7129193" y="1731033"/>
+            <a:ext cx="603849" cy="461513"/>
+          </a:xfrm>
+          <a:prstGeom prst="cube">
+            <a:avLst/>
+          </a:prstGeom>
+        </p:spPr>
+        <p:style>
+          <a:lnRef idx="1">
+            <a:schemeClr val="accent1"/>
+          </a:lnRef>
+          <a:fillRef idx="3">
+            <a:schemeClr val="accent1"/>
+          </a:fillRef>
+          <a:effectRef idx="2">
+            <a:schemeClr val="accent1"/>
+          </a:effectRef>
+          <a:fontRef idx="minor">
+            <a:schemeClr val="lt1"/>
+          </a:fontRef>
+        </p:style>
+        <p:txBody>
+          <a:bodyPr rtlCol="0" anchor="ctr"/>
+          <a:lstStyle/>
+          <a:p>
+            <a:pPr algn="ctr"/>
+            <a:r>
+              <a:rPr lang="en-AU" sz="1200" dirty="0" smtClean="0"/>
+              <a:t>Your VM</a:t>
+            </a:r>
+            <a:endParaRPr lang="en-PH" sz="1200" dirty="0"/>
+          </a:p>
+        </p:txBody>
+      </p:sp>
+      <p:sp>
+        <p:nvSpPr>
+          <p:cNvPr id="15" name="TextBox 14"/>
+          <p:cNvSpPr txBox="1"/>
+          <p:nvPr/>
+        </p:nvSpPr>
+        <p:spPr>
+          <a:xfrm>
+            <a:off x="6663084" y="890207"/>
+            <a:ext cx="1747658" cy="369332"/>
+          </a:xfrm>
+          <a:prstGeom prst="rect">
+            <a:avLst/>
+          </a:prstGeom>
+          <a:noFill/>
+        </p:spPr>
+        <p:txBody>
+          <a:bodyPr wrap="none" rtlCol="0">
+            <a:spAutoFit/>
+          </a:bodyPr>
+          <a:lstStyle/>
+          <a:p>
+            <a:r>
+              <a:rPr lang="en-AU" dirty="0" smtClean="0"/>
+              <a:t>Cloud Provider B</a:t>
+            </a:r>
+            <a:endParaRPr lang="en-PH" dirty="0"/>
+          </a:p>
+        </p:txBody>
+      </p:sp>
+      <p:sp>
+        <p:nvSpPr>
+          <p:cNvPr id="16" name="Cube 15"/>
+          <p:cNvSpPr/>
+          <p:nvPr/>
+        </p:nvSpPr>
+        <p:spPr>
+          <a:xfrm>
+            <a:off x="7930884" y="1463614"/>
+            <a:ext cx="603849" cy="461513"/>
+          </a:xfrm>
+          <a:prstGeom prst="cube">
+            <a:avLst/>
+          </a:prstGeom>
+          <a:solidFill>
+            <a:schemeClr val="bg2"/>
+          </a:solidFill>
+          <a:ln>
+            <a:prstDash val="lgDash"/>
+          </a:ln>
+        </p:spPr>
+        <p:style>
+          <a:lnRef idx="1">
+            <a:schemeClr val="accent1"/>
+          </a:lnRef>
+          <a:fillRef idx="3">
+            <a:schemeClr val="accent1"/>
+          </a:fillRef>
+          <a:effectRef idx="2">
+            <a:schemeClr val="accent1"/>
+          </a:effectRef>
+          <a:fontRef idx="minor">
+            <a:schemeClr val="lt1"/>
+          </a:fontRef>
+        </p:style>
+        <p:txBody>
+          <a:bodyPr rtlCol="0" anchor="ctr"/>
+          <a:lstStyle/>
+          <a:p>
+            <a:pPr algn="ctr"/>
+            <a:r>
+              <a:rPr lang="en-AU" sz="1000" dirty="0" smtClean="0">
+                <a:solidFill>
+                  <a:schemeClr val="tx1">
+                    <a:lumMod val="65000"/>
+                    <a:lumOff val="35000"/>
+                  </a:schemeClr>
+                </a:solidFill>
+              </a:rPr>
+              <a:t>Other VM</a:t>
+            </a:r>
+            <a:endParaRPr lang="en-PH" sz="1000" dirty="0">
+              <a:solidFill>
+                <a:schemeClr val="tx1">
+                  <a:lumMod val="65000"/>
+                  <a:lumOff val="35000"/>
+                </a:schemeClr>
+              </a:solidFill>
+            </a:endParaRPr>
+          </a:p>
+        </p:txBody>
+      </p:sp>
+      <p:cxnSp>
+        <p:nvCxnSpPr>
+          <p:cNvPr id="17" name="Straight Arrow Connector 16"/>
+          <p:cNvCxnSpPr/>
+          <p:nvPr/>
+        </p:nvCxnSpPr>
+        <p:spPr>
+          <a:xfrm flipV="1">
+            <a:off x="4295955" y="2307565"/>
+            <a:ext cx="2993366" cy="2654060"/>
+          </a:xfrm>
+          <a:prstGeom prst="straightConnector1">
+            <a:avLst/>
+          </a:prstGeom>
+          <a:ln>
+            <a:tailEnd type="triangle"/>
+          </a:ln>
+        </p:spPr>
+        <p:style>
+          <a:lnRef idx="3">
+            <a:schemeClr val="dk1"/>
+          </a:lnRef>
+          <a:fillRef idx="0">
+            <a:schemeClr val="dk1"/>
+          </a:fillRef>
+          <a:effectRef idx="2">
+            <a:schemeClr val="dk1"/>
+          </a:effectRef>
+          <a:fontRef idx="minor">
+            <a:schemeClr val="tx1"/>
+          </a:fontRef>
+        </p:style>
+      </p:cxnSp>
+      <p:sp>
+        <p:nvSpPr>
+          <p:cNvPr id="20" name="TextBox 19"/>
+          <p:cNvSpPr txBox="1"/>
+          <p:nvPr/>
+        </p:nvSpPr>
+        <p:spPr>
+          <a:xfrm>
+            <a:off x="7365573" y="6490759"/>
+            <a:ext cx="1507144" cy="253916"/>
+          </a:xfrm>
+          <a:prstGeom prst="rect">
+            <a:avLst/>
+          </a:prstGeom>
+          <a:noFill/>
+        </p:spPr>
+        <p:txBody>
+          <a:bodyPr wrap="none" rtlCol="0">
+            <a:spAutoFit/>
+          </a:bodyPr>
+          <a:lstStyle/>
+          <a:p>
+            <a:r>
+              <a:rPr lang="en-AU" sz="1050" dirty="0" smtClean="0"/>
+              <a:t>© 17 Ways Pty Ltd 2015</a:t>
+            </a:r>
+            <a:endParaRPr lang="en-PH" sz="1050" dirty="0"/>
+          </a:p>
+        </p:txBody>
+      </p:sp>
+    </p:spTree>
+    <p:extLst>
+      <p:ext uri="{BB962C8B-B14F-4D97-AF65-F5344CB8AC3E}">
+        <p14:creationId xmlns:p14="http://schemas.microsoft.com/office/powerpoint/2010/main" val="1734281961"/>
       </p:ext>
     </p:extLst>
   </p:cSld>
